--- a/PPT/LX행정 효율화 서비스 화면 설계.pptx
+++ b/PPT/LX행정 효율화 서비스 화면 설계.pptx
@@ -954,7 +954,7 @@
           <a:p>
             <a:fld id="{C1FC7377-ACFD-4691-8875-5D827DDBB96A}" type="datetimeFigureOut">
               <a:rPr lang="ko-KR" altLang="en-US" smtClean="0"/>
-              <a:t>2022-08-18</a:t>
+              <a:t>2022-08-30</a:t>
             </a:fld>
             <a:endParaRPr lang="ko-KR" altLang="en-US"/>
           </a:p>

--- a/PPT/LX행정 효율화 서비스 화면 설계.pptx
+++ b/PPT/LX행정 효율화 서비스 화면 설계.pptx
@@ -5,36 +5,37 @@
     <p:sldMasterId id="2147483662" r:id="rId1"/>
   </p:sldMasterIdLst>
   <p:notesMasterIdLst>
-    <p:notesMasterId r:id="rId13"/>
+    <p:notesMasterId r:id="rId14"/>
   </p:notesMasterIdLst>
   <p:sldIdLst>
     <p:sldId id="529" r:id="rId2"/>
     <p:sldId id="525" r:id="rId3"/>
     <p:sldId id="531" r:id="rId4"/>
-    <p:sldId id="530" r:id="rId5"/>
-    <p:sldId id="535" r:id="rId6"/>
-    <p:sldId id="536" r:id="rId7"/>
-    <p:sldId id="537" r:id="rId8"/>
-    <p:sldId id="468" r:id="rId9"/>
-    <p:sldId id="533" r:id="rId10"/>
-    <p:sldId id="534" r:id="rId11"/>
-    <p:sldId id="532" r:id="rId12"/>
+    <p:sldId id="538" r:id="rId5"/>
+    <p:sldId id="530" r:id="rId6"/>
+    <p:sldId id="535" r:id="rId7"/>
+    <p:sldId id="536" r:id="rId8"/>
+    <p:sldId id="537" r:id="rId9"/>
+    <p:sldId id="468" r:id="rId10"/>
+    <p:sldId id="533" r:id="rId11"/>
+    <p:sldId id="534" r:id="rId12"/>
+    <p:sldId id="532" r:id="rId13"/>
   </p:sldIdLst>
   <p:sldSz cx="12192000" cy="6858000"/>
   <p:notesSz cx="6797675" cy="9926638"/>
   <p:embeddedFontLst>
     <p:embeddedFont>
       <p:font typeface="KoPubWorld돋움체 Bold" panose="020B0600000101010101" charset="-127"/>
-      <p:bold r:id="rId14"/>
+      <p:bold r:id="rId15"/>
     </p:embeddedFont>
     <p:embeddedFont>
       <p:font typeface="KoPub돋움체 Medium" panose="020B0600000101010101" charset="-127"/>
-      <p:regular r:id="rId15"/>
+      <p:regular r:id="rId16"/>
     </p:embeddedFont>
     <p:embeddedFont>
       <p:font typeface="맑은 고딕" panose="020B0503020000020004" pitchFamily="50" charset="-127"/>
-      <p:regular r:id="rId16"/>
-      <p:bold r:id="rId17"/>
+      <p:regular r:id="rId17"/>
+      <p:bold r:id="rId18"/>
     </p:embeddedFont>
   </p:embeddedFontLst>
   <p:defaultTextStyle>
@@ -1286,7 +1287,7 @@
           <a:p>
             <a:fld id="{C2797304-27A7-47F7-9307-96F8F0771C38}" type="slidenum">
               <a:rPr lang="ko-KR" altLang="en-US" smtClean="0"/>
-              <a:t>8</a:t>
+              <a:t>9</a:t>
             </a:fld>
             <a:endParaRPr lang="ko-KR" altLang="en-US"/>
           </a:p>
@@ -1370,7 +1371,7 @@
           <a:p>
             <a:fld id="{C2797304-27A7-47F7-9307-96F8F0771C38}" type="slidenum">
               <a:rPr lang="ko-KR" altLang="en-US" smtClean="0"/>
-              <a:t>10</a:t>
+              <a:t>11</a:t>
             </a:fld>
             <a:endParaRPr lang="ko-KR" altLang="en-US"/>
           </a:p>
@@ -7620,6 +7621,1346 @@
           <a:p>
             <a:pPr latinLnBrk="1"/>
             <a:r>
+              <a:rPr lang="en-US" altLang="ko-KR" sz="1100" b="0" dirty="0">
+                <a:solidFill>
+                  <a:schemeClr val="tx2">
+                    <a:lumMod val="50000"/>
+                  </a:schemeClr>
+                </a:solidFill>
+                <a:latin typeface="KoPub돋움체 Medium" panose="02020603020101020101" pitchFamily="18" charset="-127"/>
+                <a:ea typeface="KoPub돋움체 Medium" panose="02020603020101020101" pitchFamily="18" charset="-127"/>
+              </a:rPr>
+              <a:t>Map</a:t>
+            </a:r>
+            <a:r>
+              <a:rPr lang="ko-KR" altLang="en-US" sz="1100" b="0" dirty="0">
+                <a:solidFill>
+                  <a:schemeClr val="tx2">
+                    <a:lumMod val="50000"/>
+                  </a:schemeClr>
+                </a:solidFill>
+                <a:latin typeface="KoPub돋움체 Medium" panose="02020603020101020101" pitchFamily="18" charset="-127"/>
+                <a:ea typeface="KoPub돋움체 Medium" panose="02020603020101020101" pitchFamily="18" charset="-127"/>
+              </a:rPr>
+              <a:t> </a:t>
+            </a:r>
+            <a:r>
+              <a:rPr lang="en-US" altLang="ko-KR" sz="1100" b="0" dirty="0">
+                <a:solidFill>
+                  <a:schemeClr val="tx2">
+                    <a:lumMod val="50000"/>
+                  </a:schemeClr>
+                </a:solidFill>
+                <a:latin typeface="KoPub돋움체 Medium" panose="02020603020101020101" pitchFamily="18" charset="-127"/>
+                <a:ea typeface="KoPub돋움체 Medium" panose="02020603020101020101" pitchFamily="18" charset="-127"/>
+              </a:rPr>
+              <a:t>Rest</a:t>
+            </a:r>
+            <a:r>
+              <a:rPr lang="ko-KR" altLang="en-US" sz="1100" b="0" dirty="0">
+                <a:solidFill>
+                  <a:schemeClr val="tx2">
+                    <a:lumMod val="50000"/>
+                  </a:schemeClr>
+                </a:solidFill>
+                <a:latin typeface="KoPub돋움체 Medium" panose="02020603020101020101" pitchFamily="18" charset="-127"/>
+                <a:ea typeface="KoPub돋움체 Medium" panose="02020603020101020101" pitchFamily="18" charset="-127"/>
+              </a:rPr>
+              <a:t> </a:t>
+            </a:r>
+            <a:r>
+              <a:rPr lang="en-US" altLang="ko-KR" sz="1100" b="0" dirty="0">
+                <a:solidFill>
+                  <a:schemeClr val="tx2">
+                    <a:lumMod val="50000"/>
+                  </a:schemeClr>
+                </a:solidFill>
+                <a:latin typeface="KoPub돋움체 Medium" panose="02020603020101020101" pitchFamily="18" charset="-127"/>
+                <a:ea typeface="KoPub돋움체 Medium" panose="02020603020101020101" pitchFamily="18" charset="-127"/>
+              </a:rPr>
+              <a:t>API(</a:t>
+            </a:r>
+            <a:r>
+              <a:rPr lang="ko-KR" altLang="en-US" sz="1100" b="0" dirty="0">
+                <a:solidFill>
+                  <a:schemeClr val="tx2">
+                    <a:lumMod val="50000"/>
+                  </a:schemeClr>
+                </a:solidFill>
+                <a:latin typeface="KoPub돋움체 Medium" panose="02020603020101020101" pitchFamily="18" charset="-127"/>
+                <a:ea typeface="KoPub돋움체 Medium" panose="02020603020101020101" pitchFamily="18" charset="-127"/>
+              </a:rPr>
+              <a:t>지도 검색</a:t>
+            </a:r>
+            <a:r>
+              <a:rPr lang="en-US" altLang="ko-KR" sz="1100" b="0" dirty="0">
+                <a:solidFill>
+                  <a:schemeClr val="tx2">
+                    <a:lumMod val="50000"/>
+                  </a:schemeClr>
+                </a:solidFill>
+                <a:latin typeface="KoPub돋움체 Medium" panose="02020603020101020101" pitchFamily="18" charset="-127"/>
+                <a:ea typeface="KoPub돋움체 Medium" panose="02020603020101020101" pitchFamily="18" charset="-127"/>
+              </a:rPr>
+              <a:t>)</a:t>
+            </a:r>
+            <a:endParaRPr lang="ko-KR" altLang="en-US" sz="1100" b="0" dirty="0">
+              <a:solidFill>
+                <a:schemeClr val="tx2">
+                  <a:lumMod val="50000"/>
+                </a:schemeClr>
+              </a:solidFill>
+              <a:latin typeface="KoPub돋움체 Medium" panose="02020603020101020101" pitchFamily="18" charset="-127"/>
+              <a:ea typeface="KoPub돋움체 Medium" panose="02020603020101020101" pitchFamily="18" charset="-127"/>
+            </a:endParaRPr>
+          </a:p>
+        </p:txBody>
+      </p:sp>
+      <p:sp>
+        <p:nvSpPr>
+          <p:cNvPr id="5" name="TextBox 4">
+            <a:extLst>
+              <a:ext uri="{FF2B5EF4-FFF2-40B4-BE49-F238E27FC236}">
+                <a16:creationId xmlns:a16="http://schemas.microsoft.com/office/drawing/2014/main" id="{606EBFA3-3BF1-4431-93BD-90F1BCC1C1DB}"/>
+              </a:ext>
+            </a:extLst>
+          </p:cNvPr>
+          <p:cNvSpPr txBox="1"/>
+          <p:nvPr/>
+        </p:nvSpPr>
+        <p:spPr>
+          <a:xfrm>
+            <a:off x="1397357" y="396878"/>
+            <a:ext cx="4481849" cy="246221"/>
+          </a:xfrm>
+          <a:prstGeom prst="rect">
+            <a:avLst/>
+          </a:prstGeom>
+          <a:noFill/>
+        </p:spPr>
+        <p:txBody>
+          <a:bodyPr wrap="square">
+            <a:spAutoFit/>
+          </a:bodyPr>
+          <a:lstStyle/>
+          <a:p>
+            <a:pPr latinLnBrk="1"/>
+            <a:r>
+              <a:rPr lang="en-US" altLang="ko-KR" sz="1000" b="0" dirty="0">
+                <a:solidFill>
+                  <a:schemeClr val="tx2">
+                    <a:lumMod val="50000"/>
+                  </a:schemeClr>
+                </a:solidFill>
+                <a:latin typeface="KoPub돋움체 Medium" panose="02020603020101020101" pitchFamily="18" charset="-127"/>
+                <a:ea typeface="KoPub돋움체 Medium" panose="02020603020101020101" pitchFamily="18" charset="-127"/>
+              </a:rPr>
+              <a:t>-</a:t>
+            </a:r>
+            <a:endParaRPr lang="ko-KR" altLang="en-US" sz="1000" b="0" dirty="0">
+              <a:solidFill>
+                <a:schemeClr val="tx2">
+                  <a:lumMod val="50000"/>
+                </a:schemeClr>
+              </a:solidFill>
+              <a:latin typeface="KoPub돋움체 Medium" panose="02020603020101020101" pitchFamily="18" charset="-127"/>
+              <a:ea typeface="KoPub돋움체 Medium" panose="02020603020101020101" pitchFamily="18" charset="-127"/>
+            </a:endParaRPr>
+          </a:p>
+        </p:txBody>
+      </p:sp>
+      <p:sp>
+        <p:nvSpPr>
+          <p:cNvPr id="106" name="TextBox 105">
+            <a:extLst>
+              <a:ext uri="{FF2B5EF4-FFF2-40B4-BE49-F238E27FC236}">
+                <a16:creationId xmlns:a16="http://schemas.microsoft.com/office/drawing/2014/main" id="{EED5EC23-78C9-495E-B3A9-F3A86D8AC69E}"/>
+              </a:ext>
+            </a:extLst>
+          </p:cNvPr>
+          <p:cNvSpPr txBox="1"/>
+          <p:nvPr/>
+        </p:nvSpPr>
+        <p:spPr>
+          <a:xfrm>
+            <a:off x="140744" y="674792"/>
+            <a:ext cx="11906476" cy="688778"/>
+          </a:xfrm>
+          <a:prstGeom prst="rect">
+            <a:avLst/>
+          </a:prstGeom>
+          <a:noFill/>
+        </p:spPr>
+        <p:txBody>
+          <a:bodyPr wrap="square" rtlCol="0">
+            <a:spAutoFit/>
+          </a:bodyPr>
+          <a:lstStyle/>
+          <a:p>
+            <a:pPr>
+              <a:lnSpc>
+                <a:spcPct val="150000"/>
+              </a:lnSpc>
+            </a:pPr>
+            <a:r>
+              <a:rPr lang="ko-KR" altLang="en-US" sz="900" b="1" dirty="0"/>
+              <a:t>기능정의</a:t>
+            </a:r>
+            <a:endParaRPr lang="en-US" altLang="ko-KR" sz="900" b="1" dirty="0"/>
+          </a:p>
+          <a:p>
+            <a:pPr marL="171450" indent="-171450">
+              <a:lnSpc>
+                <a:spcPct val="150000"/>
+              </a:lnSpc>
+              <a:buFontTx/>
+              <a:buChar char="-"/>
+            </a:pPr>
+            <a:r>
+              <a:rPr lang="ko-KR" altLang="en-US" sz="900" b="1" dirty="0"/>
+              <a:t>지도 검색 </a:t>
+            </a:r>
+            <a:r>
+              <a:rPr lang="en-US" altLang="ko-KR" sz="900" b="1" dirty="0"/>
+              <a:t>API</a:t>
+            </a:r>
+          </a:p>
+          <a:p>
+            <a:pPr marL="171450" indent="-171450">
+              <a:lnSpc>
+                <a:spcPct val="150000"/>
+              </a:lnSpc>
+              <a:buFontTx/>
+              <a:buChar char="-"/>
+            </a:pPr>
+            <a:r>
+              <a:rPr lang="en-US" altLang="ko-KR" sz="900" b="1" dirty="0">
+                <a:hlinkClick r:id="rId2"/>
+              </a:rPr>
+              <a:t>https://www.vworld.kr/dev/v4dv_geocoderguide2_s001.do</a:t>
+            </a:r>
+            <a:endParaRPr lang="en-US" altLang="ko-KR" sz="900" b="1" dirty="0"/>
+          </a:p>
+        </p:txBody>
+      </p:sp>
+      <p:sp>
+        <p:nvSpPr>
+          <p:cNvPr id="12" name="TextBox 11">
+            <a:extLst>
+              <a:ext uri="{FF2B5EF4-FFF2-40B4-BE49-F238E27FC236}">
+                <a16:creationId xmlns:a16="http://schemas.microsoft.com/office/drawing/2014/main" id="{98502BEC-6E8A-4A71-9FE3-F68B1DE11883}"/>
+              </a:ext>
+            </a:extLst>
+          </p:cNvPr>
+          <p:cNvSpPr txBox="1"/>
+          <p:nvPr/>
+        </p:nvSpPr>
+        <p:spPr>
+          <a:xfrm>
+            <a:off x="7079411" y="388257"/>
+            <a:ext cx="1989828" cy="253916"/>
+          </a:xfrm>
+          <a:prstGeom prst="rect">
+            <a:avLst/>
+          </a:prstGeom>
+          <a:noFill/>
+        </p:spPr>
+        <p:txBody>
+          <a:bodyPr wrap="square">
+            <a:spAutoFit/>
+          </a:bodyPr>
+          <a:lstStyle/>
+          <a:p>
+            <a:pPr latinLnBrk="1"/>
+            <a:r>
+              <a:rPr lang="ko-KR" altLang="en-US" sz="1050" b="0" dirty="0">
+                <a:solidFill>
+                  <a:schemeClr val="tx2">
+                    <a:lumMod val="50000"/>
+                  </a:schemeClr>
+                </a:solidFill>
+                <a:latin typeface="KoPub돋움체 Medium" panose="02020603020101020101" pitchFamily="18" charset="-127"/>
+                <a:ea typeface="KoPub돋움체 Medium" panose="02020603020101020101" pitchFamily="18" charset="-127"/>
+              </a:rPr>
+              <a:t>김은규</a:t>
+            </a:r>
+          </a:p>
+        </p:txBody>
+      </p:sp>
+      <p:graphicFrame>
+        <p:nvGraphicFramePr>
+          <p:cNvPr id="16" name="표 99">
+            <a:extLst>
+              <a:ext uri="{FF2B5EF4-FFF2-40B4-BE49-F238E27FC236}">
+                <a16:creationId xmlns:a16="http://schemas.microsoft.com/office/drawing/2014/main" id="{ED9AAA63-C4D5-0CCE-BBDD-BEA22EFFF08A}"/>
+              </a:ext>
+            </a:extLst>
+          </p:cNvPr>
+          <p:cNvGraphicFramePr>
+            <a:graphicFrameLocks noGrp="1"/>
+          </p:cNvGraphicFramePr>
+          <p:nvPr>
+            <p:extLst>
+              <p:ext uri="{D42A27DB-BD31-4B8C-83A1-F6EECF244321}">
+                <p14:modId xmlns:p14="http://schemas.microsoft.com/office/powerpoint/2010/main" val="1284007267"/>
+              </p:ext>
+            </p:extLst>
+          </p:nvPr>
+        </p:nvGraphicFramePr>
+        <p:xfrm>
+          <a:off x="285524" y="1395263"/>
+          <a:ext cx="11616915" cy="4888090"/>
+        </p:xfrm>
+        <a:graphic>
+          <a:graphicData uri="http://schemas.openxmlformats.org/drawingml/2006/table">
+            <a:tbl>
+              <a:tblPr>
+                <a:tableStyleId>{5C22544A-7EE6-4342-B048-85BDC9FD1C3A}</a:tableStyleId>
+              </a:tblPr>
+              <a:tblGrid>
+                <a:gridCol w="1327556">
+                  <a:extLst>
+                    <a:ext uri="{9D8B030D-6E8A-4147-A177-3AD203B41FA5}">
+                      <a16:colId xmlns:a16="http://schemas.microsoft.com/office/drawing/2014/main" val="1281648951"/>
+                    </a:ext>
+                  </a:extLst>
+                </a:gridCol>
+                <a:gridCol w="7015531">
+                  <a:extLst>
+                    <a:ext uri="{9D8B030D-6E8A-4147-A177-3AD203B41FA5}">
+                      <a16:colId xmlns:a16="http://schemas.microsoft.com/office/drawing/2014/main" val="1095714194"/>
+                    </a:ext>
+                  </a:extLst>
+                </a:gridCol>
+                <a:gridCol w="3273828">
+                  <a:extLst>
+                    <a:ext uri="{9D8B030D-6E8A-4147-A177-3AD203B41FA5}">
+                      <a16:colId xmlns:a16="http://schemas.microsoft.com/office/drawing/2014/main" val="1168846081"/>
+                    </a:ext>
+                  </a:extLst>
+                </a:gridCol>
+              </a:tblGrid>
+              <a:tr h="257268">
+                <a:tc>
+                  <a:txBody>
+                    <a:bodyPr/>
+                    <a:lstStyle/>
+                    <a:p>
+                      <a:pPr algn="ctr" latinLnBrk="1"/>
+                      <a:r>
+                        <a:rPr lang="ko-KR" altLang="en-US" sz="800" b="1" dirty="0"/>
+                        <a:t>기능 종류</a:t>
+                      </a:r>
+                    </a:p>
+                  </a:txBody>
+                  <a:tcPr>
+                    <a:lnL w="6350" cap="flat" cmpd="sng" algn="ctr">
+                      <a:solidFill>
+                        <a:schemeClr val="tx1">
+                          <a:lumMod val="50000"/>
+                          <a:lumOff val="50000"/>
+                        </a:schemeClr>
+                      </a:solidFill>
+                      <a:prstDash val="solid"/>
+                      <a:round/>
+                      <a:headEnd type="none" w="med" len="med"/>
+                      <a:tailEnd type="none" w="med" len="med"/>
+                    </a:lnL>
+                    <a:lnR w="6350" cap="flat" cmpd="sng" algn="ctr">
+                      <a:solidFill>
+                        <a:schemeClr val="tx1">
+                          <a:lumMod val="50000"/>
+                          <a:lumOff val="50000"/>
+                        </a:schemeClr>
+                      </a:solidFill>
+                      <a:prstDash val="solid"/>
+                      <a:round/>
+                      <a:headEnd type="none" w="med" len="med"/>
+                      <a:tailEnd type="none" w="med" len="med"/>
+                    </a:lnR>
+                    <a:lnT w="6350" cap="flat" cmpd="sng" algn="ctr">
+                      <a:solidFill>
+                        <a:schemeClr val="tx1">
+                          <a:lumMod val="50000"/>
+                          <a:lumOff val="50000"/>
+                        </a:schemeClr>
+                      </a:solidFill>
+                      <a:prstDash val="solid"/>
+                      <a:round/>
+                      <a:headEnd type="none" w="med" len="med"/>
+                      <a:tailEnd type="none" w="med" len="med"/>
+                    </a:lnT>
+                    <a:lnB w="6350" cap="flat" cmpd="sng" algn="ctr">
+                      <a:solidFill>
+                        <a:schemeClr val="tx1">
+                          <a:lumMod val="50000"/>
+                          <a:lumOff val="50000"/>
+                        </a:schemeClr>
+                      </a:solidFill>
+                      <a:prstDash val="solid"/>
+                      <a:round/>
+                      <a:headEnd type="none" w="med" len="med"/>
+                      <a:tailEnd type="none" w="med" len="med"/>
+                    </a:lnB>
+                    <a:solidFill>
+                      <a:schemeClr val="bg1">
+                        <a:lumMod val="95000"/>
+                      </a:schemeClr>
+                    </a:solidFill>
+                  </a:tcPr>
+                </a:tc>
+                <a:tc>
+                  <a:txBody>
+                    <a:bodyPr/>
+                    <a:lstStyle/>
+                    <a:p>
+                      <a:pPr algn="ctr" latinLnBrk="1"/>
+                      <a:r>
+                        <a:rPr lang="ko-KR" altLang="en-US" sz="800" b="1" dirty="0"/>
+                        <a:t>조작키 맵</a:t>
+                      </a:r>
+                    </a:p>
+                  </a:txBody>
+                  <a:tcPr>
+                    <a:lnL w="6350" cap="flat" cmpd="sng" algn="ctr">
+                      <a:solidFill>
+                        <a:schemeClr val="tx1">
+                          <a:lumMod val="50000"/>
+                          <a:lumOff val="50000"/>
+                        </a:schemeClr>
+                      </a:solidFill>
+                      <a:prstDash val="solid"/>
+                      <a:round/>
+                      <a:headEnd type="none" w="med" len="med"/>
+                      <a:tailEnd type="none" w="med" len="med"/>
+                    </a:lnL>
+                    <a:lnR w="6350" cap="flat" cmpd="sng" algn="ctr">
+                      <a:solidFill>
+                        <a:schemeClr val="tx1">
+                          <a:lumMod val="50000"/>
+                          <a:lumOff val="50000"/>
+                        </a:schemeClr>
+                      </a:solidFill>
+                      <a:prstDash val="solid"/>
+                      <a:round/>
+                      <a:headEnd type="none" w="med" len="med"/>
+                      <a:tailEnd type="none" w="med" len="med"/>
+                    </a:lnR>
+                    <a:lnT w="6350" cap="flat" cmpd="sng" algn="ctr">
+                      <a:solidFill>
+                        <a:schemeClr val="tx1">
+                          <a:lumMod val="50000"/>
+                          <a:lumOff val="50000"/>
+                        </a:schemeClr>
+                      </a:solidFill>
+                      <a:prstDash val="solid"/>
+                      <a:round/>
+                      <a:headEnd type="none" w="med" len="med"/>
+                      <a:tailEnd type="none" w="med" len="med"/>
+                    </a:lnT>
+                    <a:lnB w="6350" cap="flat" cmpd="sng" algn="ctr">
+                      <a:solidFill>
+                        <a:schemeClr val="tx1">
+                          <a:lumMod val="50000"/>
+                          <a:lumOff val="50000"/>
+                        </a:schemeClr>
+                      </a:solidFill>
+                      <a:prstDash val="solid"/>
+                      <a:round/>
+                      <a:headEnd type="none" w="med" len="med"/>
+                      <a:tailEnd type="none" w="med" len="med"/>
+                    </a:lnB>
+                    <a:solidFill>
+                      <a:schemeClr val="bg1">
+                        <a:lumMod val="95000"/>
+                      </a:schemeClr>
+                    </a:solidFill>
+                  </a:tcPr>
+                </a:tc>
+                <a:tc>
+                  <a:txBody>
+                    <a:bodyPr/>
+                    <a:lstStyle/>
+                    <a:p>
+                      <a:pPr algn="ctr" latinLnBrk="1"/>
+                      <a:r>
+                        <a:rPr lang="ko-KR" altLang="en-US" sz="800" b="1" dirty="0"/>
+                        <a:t>설명</a:t>
+                      </a:r>
+                    </a:p>
+                  </a:txBody>
+                  <a:tcPr>
+                    <a:lnL w="6350" cap="flat" cmpd="sng" algn="ctr">
+                      <a:solidFill>
+                        <a:schemeClr val="tx1">
+                          <a:lumMod val="50000"/>
+                          <a:lumOff val="50000"/>
+                        </a:schemeClr>
+                      </a:solidFill>
+                      <a:prstDash val="solid"/>
+                      <a:round/>
+                      <a:headEnd type="none" w="med" len="med"/>
+                      <a:tailEnd type="none" w="med" len="med"/>
+                    </a:lnL>
+                    <a:lnR w="6350" cap="flat" cmpd="sng" algn="ctr">
+                      <a:solidFill>
+                        <a:schemeClr val="tx1">
+                          <a:lumMod val="50000"/>
+                          <a:lumOff val="50000"/>
+                        </a:schemeClr>
+                      </a:solidFill>
+                      <a:prstDash val="solid"/>
+                      <a:round/>
+                      <a:headEnd type="none" w="med" len="med"/>
+                      <a:tailEnd type="none" w="med" len="med"/>
+                    </a:lnR>
+                    <a:lnT w="6350" cap="flat" cmpd="sng" algn="ctr">
+                      <a:solidFill>
+                        <a:schemeClr val="tx1">
+                          <a:lumMod val="50000"/>
+                          <a:lumOff val="50000"/>
+                        </a:schemeClr>
+                      </a:solidFill>
+                      <a:prstDash val="solid"/>
+                      <a:round/>
+                      <a:headEnd type="none" w="med" len="med"/>
+                      <a:tailEnd type="none" w="med" len="med"/>
+                    </a:lnT>
+                    <a:lnB w="6350" cap="flat" cmpd="sng" algn="ctr">
+                      <a:solidFill>
+                        <a:schemeClr val="tx1">
+                          <a:lumMod val="50000"/>
+                          <a:lumOff val="50000"/>
+                        </a:schemeClr>
+                      </a:solidFill>
+                      <a:prstDash val="solid"/>
+                      <a:round/>
+                      <a:headEnd type="none" w="med" len="med"/>
+                      <a:tailEnd type="none" w="med" len="med"/>
+                    </a:lnB>
+                    <a:solidFill>
+                      <a:schemeClr val="bg1">
+                        <a:lumMod val="95000"/>
+                      </a:schemeClr>
+                    </a:solidFill>
+                  </a:tcPr>
+                </a:tc>
+                <a:extLst>
+                  <a:ext uri="{0D108BD9-81ED-4DB2-BD59-A6C34878D82A}">
+                    <a16:rowId xmlns:a16="http://schemas.microsoft.com/office/drawing/2014/main" val="3935869747"/>
+                  </a:ext>
+                </a:extLst>
+              </a:tr>
+              <a:tr h="4630822">
+                <a:tc>
+                  <a:txBody>
+                    <a:bodyPr/>
+                    <a:lstStyle/>
+                    <a:p>
+                      <a:pPr algn="ctr" latinLnBrk="1"/>
+                      <a:r>
+                        <a:rPr lang="en-US" altLang="ko-KR" sz="800" b="1" dirty="0"/>
+                        <a:t>Rest API</a:t>
+                      </a:r>
+                    </a:p>
+                  </a:txBody>
+                  <a:tcPr anchor="ctr">
+                    <a:lnL w="6350" cap="flat" cmpd="sng" algn="ctr">
+                      <a:solidFill>
+                        <a:schemeClr val="tx1">
+                          <a:lumMod val="50000"/>
+                          <a:lumOff val="50000"/>
+                        </a:schemeClr>
+                      </a:solidFill>
+                      <a:prstDash val="solid"/>
+                      <a:round/>
+                      <a:headEnd type="none" w="med" len="med"/>
+                      <a:tailEnd type="none" w="med" len="med"/>
+                    </a:lnL>
+                    <a:lnR w="6350" cap="flat" cmpd="sng" algn="ctr">
+                      <a:solidFill>
+                        <a:schemeClr val="tx1">
+                          <a:lumMod val="50000"/>
+                          <a:lumOff val="50000"/>
+                        </a:schemeClr>
+                      </a:solidFill>
+                      <a:prstDash val="solid"/>
+                      <a:round/>
+                      <a:headEnd type="none" w="med" len="med"/>
+                      <a:tailEnd type="none" w="med" len="med"/>
+                    </a:lnR>
+                    <a:lnT w="6350" cap="flat" cmpd="sng" algn="ctr">
+                      <a:solidFill>
+                        <a:schemeClr val="tx1">
+                          <a:lumMod val="50000"/>
+                          <a:lumOff val="50000"/>
+                        </a:schemeClr>
+                      </a:solidFill>
+                      <a:prstDash val="solid"/>
+                      <a:round/>
+                      <a:headEnd type="none" w="med" len="med"/>
+                      <a:tailEnd type="none" w="med" len="med"/>
+                    </a:lnT>
+                    <a:lnB w="6350" cap="flat" cmpd="sng" algn="ctr">
+                      <a:solidFill>
+                        <a:schemeClr val="tx1">
+                          <a:lumMod val="50000"/>
+                          <a:lumOff val="50000"/>
+                        </a:schemeClr>
+                      </a:solidFill>
+                      <a:prstDash val="solid"/>
+                      <a:round/>
+                      <a:headEnd type="none" w="med" len="med"/>
+                      <a:tailEnd type="none" w="med" len="med"/>
+                    </a:lnB>
+                    <a:noFill/>
+                  </a:tcPr>
+                </a:tc>
+                <a:tc gridSpan="2">
+                  <a:txBody>
+                    <a:bodyPr/>
+                    <a:lstStyle/>
+                    <a:p>
+                      <a:pPr latinLnBrk="1">
+                        <a:lnSpc>
+                          <a:spcPct val="150000"/>
+                        </a:lnSpc>
+                      </a:pPr>
+                      <a:r>
+                        <a:rPr lang="ko-KR" altLang="en-US" sz="1200" dirty="0"/>
+                        <a:t>요청 </a:t>
+                      </a:r>
+                      <a:r>
+                        <a:rPr lang="en-US" altLang="ko-KR" sz="1200" dirty="0"/>
+                        <a:t>URL Sample</a:t>
+                      </a:r>
+                    </a:p>
+                    <a:p>
+                      <a:pPr marL="0" marR="0" lvl="0" indent="0" algn="l" defTabSz="914400" rtl="0" eaLnBrk="1" fontAlgn="auto" latinLnBrk="1" hangingPunct="1">
+                        <a:lnSpc>
+                          <a:spcPct val="150000"/>
+                        </a:lnSpc>
+                        <a:spcBef>
+                          <a:spcPts val="0"/>
+                        </a:spcBef>
+                        <a:spcAft>
+                          <a:spcPts val="0"/>
+                        </a:spcAft>
+                        <a:buClrTx/>
+                        <a:buSzTx/>
+                        <a:buFontTx/>
+                        <a:buNone/>
+                        <a:tabLst/>
+                        <a:defRPr/>
+                      </a:pPr>
+                      <a:r>
+                        <a:rPr lang="en-US" altLang="ko-KR" sz="1200" dirty="0"/>
+                        <a:t> </a:t>
+                      </a:r>
+                      <a:r>
+                        <a:rPr lang="ko-KR" altLang="en-US" sz="1200" dirty="0"/>
+                        <a:t>예시 </a:t>
+                      </a:r>
+                      <a:r>
+                        <a:rPr lang="en-US" altLang="ko-KR" sz="1200" dirty="0"/>
+                        <a:t>URL</a:t>
+                      </a:r>
+                    </a:p>
+                    <a:p>
+                      <a:pPr marL="0" marR="0" lvl="0" indent="0" algn="l" defTabSz="914400" rtl="0" eaLnBrk="1" fontAlgn="auto" latinLnBrk="1" hangingPunct="1">
+                        <a:lnSpc>
+                          <a:spcPct val="150000"/>
+                        </a:lnSpc>
+                        <a:spcBef>
+                          <a:spcPts val="0"/>
+                        </a:spcBef>
+                        <a:spcAft>
+                          <a:spcPts val="0"/>
+                        </a:spcAft>
+                        <a:buClrTx/>
+                        <a:buSzTx/>
+                        <a:buFontTx/>
+                        <a:buNone/>
+                        <a:tabLst/>
+                        <a:defRPr/>
+                      </a:pPr>
+                      <a:r>
+                        <a:rPr lang="en-US" altLang="ko-KR" sz="1200" dirty="0">
+                          <a:hlinkClick r:id="rId3"/>
+                        </a:rPr>
+                        <a:t>https://api.vworld.kr/req/address?service=address&amp;request=getcoord&amp;version=2.0&amp;crs=epsg:4326&amp;address=%ED%9A%A8%EB%A0%B9%EB%A1%9C72%EA%B8%B8%2060&amp;refine=true&amp;simple=false&amp;format=json&amp;type=road&amp;key=AFC65E9D-9F5D-3E1F-ADA2-5AAD35E706EA</a:t>
+                      </a:r>
+                      <a:endParaRPr lang="en-US" altLang="ko-KR" sz="1200" dirty="0"/>
+                    </a:p>
+                    <a:p>
+                      <a:pPr marL="0" marR="0" lvl="0" indent="0" algn="l" defTabSz="914400" rtl="0" eaLnBrk="1" fontAlgn="auto" latinLnBrk="1" hangingPunct="1">
+                        <a:lnSpc>
+                          <a:spcPct val="150000"/>
+                        </a:lnSpc>
+                        <a:spcBef>
+                          <a:spcPts val="0"/>
+                        </a:spcBef>
+                        <a:spcAft>
+                          <a:spcPts val="0"/>
+                        </a:spcAft>
+                        <a:buClrTx/>
+                        <a:buSzTx/>
+                        <a:buFontTx/>
+                        <a:buNone/>
+                        <a:tabLst/>
+                        <a:defRPr/>
+                      </a:pPr>
+                      <a:endParaRPr lang="en-US" altLang="ko-KR" sz="1200" dirty="0"/>
+                    </a:p>
+                    <a:p>
+                      <a:pPr marL="0" marR="0" lvl="0" indent="0" algn="l" defTabSz="914400" rtl="0" eaLnBrk="1" fontAlgn="auto" latinLnBrk="1" hangingPunct="1">
+                        <a:lnSpc>
+                          <a:spcPct val="150000"/>
+                        </a:lnSpc>
+                        <a:spcBef>
+                          <a:spcPts val="0"/>
+                        </a:spcBef>
+                        <a:spcAft>
+                          <a:spcPts val="0"/>
+                        </a:spcAft>
+                        <a:buClrTx/>
+                        <a:buSzTx/>
+                        <a:buFontTx/>
+                        <a:buNone/>
+                        <a:tabLst/>
+                        <a:defRPr/>
+                      </a:pPr>
+                      <a:r>
+                        <a:rPr lang="ko-KR" altLang="en-US" sz="1200" dirty="0" err="1"/>
+                        <a:t>요청파라미터</a:t>
+                      </a:r>
+                      <a:endParaRPr lang="en-US" altLang="ko-KR" sz="1200" dirty="0"/>
+                    </a:p>
+                    <a:p>
+                      <a:pPr latinLnBrk="1">
+                        <a:lnSpc>
+                          <a:spcPct val="150000"/>
+                        </a:lnSpc>
+                      </a:pPr>
+                      <a:r>
+                        <a:rPr lang="en-US" altLang="ko-KR" sz="1200" dirty="0"/>
+                        <a:t> key : </a:t>
+                      </a:r>
+                      <a:r>
+                        <a:rPr lang="ko-KR" altLang="en-US" sz="1200" dirty="0"/>
+                        <a:t>발급받은 </a:t>
+                      </a:r>
+                      <a:r>
+                        <a:rPr lang="en-US" altLang="ko-KR" sz="1200" dirty="0" err="1"/>
+                        <a:t>api</a:t>
+                      </a:r>
+                      <a:r>
+                        <a:rPr lang="en-US" altLang="ko-KR" sz="1200" dirty="0"/>
+                        <a:t> key</a:t>
+                      </a:r>
+                    </a:p>
+                    <a:p>
+                      <a:pPr latinLnBrk="1">
+                        <a:lnSpc>
+                          <a:spcPct val="150000"/>
+                        </a:lnSpc>
+                      </a:pPr>
+                      <a:r>
+                        <a:rPr lang="en-US" altLang="ko-KR" sz="1200" dirty="0"/>
+                        <a:t> format : </a:t>
+                      </a:r>
+                      <a:r>
+                        <a:rPr lang="ko-KR" altLang="en-US" sz="1200" dirty="0"/>
+                        <a:t>응답결과 포맷 </a:t>
+                      </a:r>
+                      <a:r>
+                        <a:rPr lang="en-US" altLang="ko-KR" sz="1200" dirty="0" err="1"/>
+                        <a:t>json</a:t>
+                      </a:r>
+                      <a:r>
+                        <a:rPr lang="en-US" altLang="ko-KR" sz="1200" dirty="0"/>
+                        <a:t>(</a:t>
+                      </a:r>
+                      <a:r>
+                        <a:rPr lang="ko-KR" altLang="en-US" sz="1200" dirty="0"/>
+                        <a:t>기본값</a:t>
+                      </a:r>
+                      <a:r>
+                        <a:rPr lang="en-US" altLang="ko-KR" sz="1200" dirty="0"/>
+                        <a:t>), xml</a:t>
+                      </a:r>
+                    </a:p>
+                    <a:p>
+                      <a:pPr latinLnBrk="1">
+                        <a:lnSpc>
+                          <a:spcPct val="150000"/>
+                        </a:lnSpc>
+                      </a:pPr>
+                      <a:r>
+                        <a:rPr lang="en-US" altLang="ko-KR" sz="1200" dirty="0"/>
+                        <a:t> type : </a:t>
+                      </a:r>
+                      <a:r>
+                        <a:rPr lang="ko-KR" altLang="en-US" sz="1200" dirty="0"/>
+                        <a:t>검색 주소 유형 </a:t>
+                      </a:r>
+                      <a:r>
+                        <a:rPr lang="en-US" altLang="ko-KR" sz="1200" dirty="0"/>
+                        <a:t>(PARCEL : </a:t>
+                      </a:r>
+                      <a:r>
+                        <a:rPr lang="ko-KR" altLang="en-US" sz="1200" dirty="0"/>
+                        <a:t>지번주소</a:t>
+                      </a:r>
+                      <a:r>
+                        <a:rPr lang="en-US" altLang="ko-KR" sz="1200" dirty="0"/>
+                        <a:t>, ROAD : </a:t>
+                      </a:r>
+                      <a:r>
+                        <a:rPr lang="ko-KR" altLang="en-US" sz="1200" dirty="0"/>
+                        <a:t>도로명주소</a:t>
+                      </a:r>
+                      <a:r>
+                        <a:rPr lang="en-US" altLang="ko-KR" sz="1200" dirty="0"/>
+                        <a:t>)</a:t>
+                      </a:r>
+                    </a:p>
+                    <a:p>
+                      <a:pPr latinLnBrk="1">
+                        <a:lnSpc>
+                          <a:spcPct val="150000"/>
+                        </a:lnSpc>
+                      </a:pPr>
+                      <a:r>
+                        <a:rPr lang="en-US" altLang="ko-KR" sz="1200" dirty="0"/>
+                        <a:t> address : </a:t>
+                      </a:r>
+                      <a:r>
+                        <a:rPr lang="ko-KR" altLang="en-US" sz="1200" dirty="0"/>
+                        <a:t>검색 키워드</a:t>
+                      </a:r>
+                      <a:endParaRPr lang="en-US" altLang="ko-KR" sz="1200" dirty="0"/>
+                    </a:p>
+                    <a:p>
+                      <a:pPr latinLnBrk="1">
+                        <a:lnSpc>
+                          <a:spcPct val="150000"/>
+                        </a:lnSpc>
+                      </a:pPr>
+                      <a:endParaRPr lang="en-US" altLang="ko-KR" sz="1200" dirty="0"/>
+                    </a:p>
+                    <a:p>
+                      <a:pPr latinLnBrk="1">
+                        <a:lnSpc>
+                          <a:spcPct val="150000"/>
+                        </a:lnSpc>
+                      </a:pPr>
+                      <a:r>
+                        <a:rPr lang="ko-KR" altLang="en-US" sz="1200" dirty="0"/>
+                        <a:t>응답 예시</a:t>
+                      </a:r>
+                      <a:endParaRPr lang="en-US" altLang="ko-KR" sz="1200" dirty="0"/>
+                    </a:p>
+                    <a:p>
+                      <a:pPr latinLnBrk="1">
+                        <a:lnSpc>
+                          <a:spcPct val="150000"/>
+                        </a:lnSpc>
+                      </a:pPr>
+                      <a:r>
+                        <a:rPr lang="en-US" altLang="ko-KR" sz="1200" dirty="0"/>
+                        <a:t>{"response" : {"service" : {"name" : "address", "version" : "2.0", "operation" : "</a:t>
+                      </a:r>
+                      <a:r>
+                        <a:rPr lang="en-US" altLang="ko-KR" sz="1200" dirty="0" err="1"/>
+                        <a:t>getcoord</a:t>
+                      </a:r>
+                      <a:r>
+                        <a:rPr lang="en-US" altLang="ko-KR" sz="1200" dirty="0"/>
+                        <a:t>", "time" : "21(</a:t>
+                      </a:r>
+                      <a:r>
+                        <a:rPr lang="en-US" altLang="ko-KR" sz="1200" dirty="0" err="1"/>
+                        <a:t>ms</a:t>
+                      </a:r>
+                      <a:r>
+                        <a:rPr lang="en-US" altLang="ko-KR" sz="1200" dirty="0"/>
+                        <a:t>)"}, "status" : "OK", "input" : {"type" : "road", "address" : "</a:t>
+                      </a:r>
+                      <a:r>
+                        <a:rPr lang="ko-KR" altLang="en-US" sz="1200" dirty="0" err="1"/>
+                        <a:t>효령로</a:t>
+                      </a:r>
+                      <a:r>
+                        <a:rPr lang="en-US" altLang="ko-KR" sz="1200" dirty="0"/>
+                        <a:t>72</a:t>
+                      </a:r>
+                      <a:r>
+                        <a:rPr lang="ko-KR" altLang="en-US" sz="1200" dirty="0"/>
+                        <a:t>길 </a:t>
+                      </a:r>
+                      <a:r>
+                        <a:rPr lang="en-US" altLang="ko-KR" sz="1200" dirty="0"/>
+                        <a:t>60"}, "refined" : {"text" : "</a:t>
+                      </a:r>
+                      <a:r>
+                        <a:rPr lang="ko-KR" altLang="en-US" sz="1200" dirty="0"/>
+                        <a:t>서울특별시 서초구 </a:t>
+                      </a:r>
+                      <a:r>
+                        <a:rPr lang="ko-KR" altLang="en-US" sz="1200" dirty="0" err="1"/>
+                        <a:t>효령로</a:t>
+                      </a:r>
+                      <a:r>
+                        <a:rPr lang="en-US" altLang="ko-KR" sz="1200" dirty="0"/>
+                        <a:t>72</a:t>
+                      </a:r>
+                      <a:r>
+                        <a:rPr lang="ko-KR" altLang="en-US" sz="1200" dirty="0"/>
+                        <a:t>길 </a:t>
+                      </a:r>
+                      <a:r>
+                        <a:rPr lang="en-US" altLang="ko-KR" sz="1200" dirty="0"/>
+                        <a:t>60 (</a:t>
+                      </a:r>
+                      <a:r>
+                        <a:rPr lang="ko-KR" altLang="en-US" sz="1200" dirty="0"/>
+                        <a:t>서초동</a:t>
+                      </a:r>
+                      <a:r>
+                        <a:rPr lang="en-US" altLang="ko-KR" sz="1200" dirty="0"/>
+                        <a:t>)", "structure" : {"level0" : "</a:t>
+                      </a:r>
+                      <a:r>
+                        <a:rPr lang="ko-KR" altLang="en-US" sz="1200" dirty="0"/>
+                        <a:t>대한민국</a:t>
+                      </a:r>
+                      <a:r>
+                        <a:rPr lang="en-US" altLang="ko-KR" sz="1200" dirty="0"/>
+                        <a:t>", "level1" : "</a:t>
+                      </a:r>
+                      <a:r>
+                        <a:rPr lang="ko-KR" altLang="en-US" sz="1200" dirty="0"/>
+                        <a:t>서울특별시</a:t>
+                      </a:r>
+                      <a:r>
+                        <a:rPr lang="en-US" altLang="ko-KR" sz="1200" dirty="0"/>
+                        <a:t>", "level2" : "</a:t>
+                      </a:r>
+                      <a:r>
+                        <a:rPr lang="ko-KR" altLang="en-US" sz="1200" dirty="0"/>
+                        <a:t>서초구</a:t>
+                      </a:r>
+                      <a:r>
+                        <a:rPr lang="en-US" altLang="ko-KR" sz="1200" dirty="0"/>
+                        <a:t>", "level3" : "</a:t>
+                      </a:r>
+                      <a:r>
+                        <a:rPr lang="ko-KR" altLang="en-US" sz="1200" dirty="0"/>
+                        <a:t>서초동</a:t>
+                      </a:r>
+                      <a:r>
+                        <a:rPr lang="en-US" altLang="ko-KR" sz="1200" dirty="0"/>
+                        <a:t>", "level4L" : "</a:t>
+                      </a:r>
+                      <a:r>
+                        <a:rPr lang="ko-KR" altLang="en-US" sz="1200" dirty="0" err="1"/>
+                        <a:t>효령로</a:t>
+                      </a:r>
+                      <a:r>
+                        <a:rPr lang="en-US" altLang="ko-KR" sz="1200" dirty="0"/>
+                        <a:t>72</a:t>
+                      </a:r>
+                      <a:r>
+                        <a:rPr lang="ko-KR" altLang="en-US" sz="1200" dirty="0"/>
+                        <a:t>길</a:t>
+                      </a:r>
+                      <a:r>
+                        <a:rPr lang="en-US" altLang="ko-KR" sz="1200" dirty="0"/>
+                        <a:t>", "level4LC" : "", "level4A" : "</a:t>
+                      </a:r>
+                      <a:r>
+                        <a:rPr lang="ko-KR" altLang="en-US" sz="1200" dirty="0"/>
+                        <a:t>서초</a:t>
+                      </a:r>
+                      <a:r>
+                        <a:rPr lang="en-US" altLang="ko-KR" sz="1200" dirty="0"/>
+                        <a:t>2</a:t>
+                      </a:r>
+                      <a:r>
+                        <a:rPr lang="ko-KR" altLang="en-US" sz="1200" dirty="0"/>
+                        <a:t>동</a:t>
+                      </a:r>
+                      <a:r>
+                        <a:rPr lang="en-US" altLang="ko-KR" sz="1200" dirty="0"/>
+                        <a:t>", "level4AC" : "1165052000", "level5" : "60", "detail" : "</a:t>
+                      </a:r>
+                      <a:r>
+                        <a:rPr lang="ko-KR" altLang="en-US" sz="1200" dirty="0"/>
+                        <a:t>한전아트센터</a:t>
+                      </a:r>
+                      <a:r>
+                        <a:rPr lang="en-US" altLang="ko-KR" sz="1200" dirty="0"/>
+                        <a:t>"}}, "result" : {"</a:t>
+                      </a:r>
+                      <a:r>
+                        <a:rPr lang="en-US" altLang="ko-KR" sz="1200" dirty="0" err="1"/>
+                        <a:t>crs</a:t>
+                      </a:r>
+                      <a:r>
+                        <a:rPr lang="en-US" altLang="ko-KR" sz="1200" dirty="0"/>
+                        <a:t>" : "EPSG:4326", "point" : {"x" : "127.027975025", "y" : "37.485553169"}}}}</a:t>
+                      </a:r>
+                    </a:p>
+                  </a:txBody>
+                  <a:tcPr>
+                    <a:lnL w="6350" cap="flat" cmpd="sng" algn="ctr">
+                      <a:solidFill>
+                        <a:schemeClr val="tx1">
+                          <a:lumMod val="50000"/>
+                          <a:lumOff val="50000"/>
+                        </a:schemeClr>
+                      </a:solidFill>
+                      <a:prstDash val="solid"/>
+                      <a:round/>
+                      <a:headEnd type="none" w="med" len="med"/>
+                      <a:tailEnd type="none" w="med" len="med"/>
+                    </a:lnL>
+                    <a:lnR w="6350" cap="flat" cmpd="sng" algn="ctr">
+                      <a:solidFill>
+                        <a:schemeClr val="tx1">
+                          <a:lumMod val="50000"/>
+                          <a:lumOff val="50000"/>
+                        </a:schemeClr>
+                      </a:solidFill>
+                      <a:prstDash val="solid"/>
+                      <a:round/>
+                      <a:headEnd type="none" w="med" len="med"/>
+                      <a:tailEnd type="none" w="med" len="med"/>
+                    </a:lnR>
+                    <a:lnT w="6350" cap="flat" cmpd="sng" algn="ctr">
+                      <a:solidFill>
+                        <a:schemeClr val="tx1">
+                          <a:lumMod val="50000"/>
+                          <a:lumOff val="50000"/>
+                        </a:schemeClr>
+                      </a:solidFill>
+                      <a:prstDash val="solid"/>
+                      <a:round/>
+                      <a:headEnd type="none" w="med" len="med"/>
+                      <a:tailEnd type="none" w="med" len="med"/>
+                    </a:lnT>
+                    <a:lnB w="6350" cap="flat" cmpd="sng" algn="ctr">
+                      <a:solidFill>
+                        <a:schemeClr val="tx1">
+                          <a:lumMod val="50000"/>
+                          <a:lumOff val="50000"/>
+                        </a:schemeClr>
+                      </a:solidFill>
+                      <a:prstDash val="solid"/>
+                      <a:round/>
+                      <a:headEnd type="none" w="med" len="med"/>
+                      <a:tailEnd type="none" w="med" len="med"/>
+                    </a:lnB>
+                    <a:noFill/>
+                  </a:tcPr>
+                </a:tc>
+                <a:tc hMerge="1">
+                  <a:txBody>
+                    <a:bodyPr/>
+                    <a:lstStyle/>
+                    <a:p>
+                      <a:pPr marL="171450" indent="-171450">
+                        <a:lnSpc>
+                          <a:spcPct val="150000"/>
+                        </a:lnSpc>
+                        <a:buFontTx/>
+                        <a:buChar char="-"/>
+                      </a:pPr>
+                      <a:r>
+                        <a:rPr lang="en-US" altLang="ko-KR" sz="800" dirty="0"/>
+                        <a:t>W</a:t>
+                      </a:r>
+                      <a:r>
+                        <a:rPr lang="ko-KR" altLang="en-US" sz="800" dirty="0"/>
+                        <a:t>키를 누를 경우</a:t>
+                      </a:r>
+                      <a:r>
+                        <a:rPr lang="en-US" altLang="ko-KR" sz="800" dirty="0"/>
+                        <a:t>, </a:t>
+                      </a:r>
+                      <a:r>
+                        <a:rPr lang="ko-KR" altLang="en-US" sz="800" dirty="0"/>
+                        <a:t>선택 모드가 됩니다</a:t>
+                      </a:r>
+                      <a:r>
+                        <a:rPr lang="en-US" altLang="ko-KR" sz="800" dirty="0"/>
+                        <a:t>.</a:t>
+                      </a:r>
+                    </a:p>
+                    <a:p>
+                      <a:pPr marL="171450" indent="-171450">
+                        <a:lnSpc>
+                          <a:spcPct val="150000"/>
+                        </a:lnSpc>
+                        <a:buFontTx/>
+                        <a:buChar char="-"/>
+                      </a:pPr>
+                      <a:r>
+                        <a:rPr lang="en-US" altLang="ko-KR" sz="800" dirty="0"/>
+                        <a:t>G</a:t>
+                      </a:r>
+                      <a:r>
+                        <a:rPr lang="ko-KR" altLang="en-US" sz="800" dirty="0"/>
+                        <a:t>키를 누를 경우</a:t>
+                      </a:r>
+                      <a:r>
+                        <a:rPr lang="en-US" altLang="ko-KR" sz="800" dirty="0"/>
+                        <a:t>, </a:t>
+                      </a:r>
+                      <a:r>
+                        <a:rPr lang="ko-KR" altLang="en-US" sz="800" dirty="0"/>
+                        <a:t>이동 모드가 됩니다</a:t>
+                      </a:r>
+                      <a:r>
+                        <a:rPr lang="en-US" altLang="ko-KR" sz="800" dirty="0"/>
+                        <a:t>.</a:t>
+                      </a:r>
+                    </a:p>
+                    <a:p>
+                      <a:pPr marL="171450" indent="-171450">
+                        <a:lnSpc>
+                          <a:spcPct val="150000"/>
+                        </a:lnSpc>
+                        <a:buFontTx/>
+                        <a:buChar char="-"/>
+                      </a:pPr>
+                      <a:r>
+                        <a:rPr lang="en-US" altLang="ko-KR" sz="800" dirty="0"/>
+                        <a:t>R</a:t>
+                      </a:r>
+                      <a:r>
+                        <a:rPr lang="ko-KR" altLang="en-US" sz="800" dirty="0"/>
+                        <a:t>키를 누를 경우</a:t>
+                      </a:r>
+                      <a:r>
+                        <a:rPr lang="en-US" altLang="ko-KR" sz="800" dirty="0"/>
+                        <a:t>, </a:t>
+                      </a:r>
+                      <a:r>
+                        <a:rPr lang="ko-KR" altLang="en-US" sz="800" dirty="0"/>
+                        <a:t>회전 모드가 됩니다</a:t>
+                      </a:r>
+                      <a:r>
+                        <a:rPr lang="en-US" altLang="ko-KR" sz="800" dirty="0"/>
+                        <a:t>.</a:t>
+                      </a:r>
+                    </a:p>
+                    <a:p>
+                      <a:pPr marL="171450" indent="-171450">
+                        <a:lnSpc>
+                          <a:spcPct val="150000"/>
+                        </a:lnSpc>
+                        <a:buFontTx/>
+                        <a:buChar char="-"/>
+                      </a:pPr>
+                      <a:r>
+                        <a:rPr lang="en-US" altLang="ko-KR" sz="800" dirty="0"/>
+                        <a:t>S</a:t>
+                      </a:r>
+                      <a:r>
+                        <a:rPr lang="ko-KR" altLang="en-US" sz="800" dirty="0"/>
+                        <a:t>키를 누를 경우</a:t>
+                      </a:r>
+                      <a:r>
+                        <a:rPr lang="en-US" altLang="ko-KR" sz="800" dirty="0"/>
+                        <a:t>, </a:t>
+                      </a:r>
+                      <a:r>
+                        <a:rPr lang="ko-KR" altLang="en-US" sz="800" dirty="0"/>
+                        <a:t>크기 제어 모드가 됩니다</a:t>
+                      </a:r>
+                      <a:r>
+                        <a:rPr lang="en-US" altLang="ko-KR" sz="800" dirty="0"/>
+                        <a:t>.</a:t>
+                      </a:r>
+                    </a:p>
+                  </a:txBody>
+                  <a:tcPr anchor="ctr">
+                    <a:lnL w="6350" cap="flat" cmpd="sng" algn="ctr">
+                      <a:solidFill>
+                        <a:schemeClr val="tx1">
+                          <a:lumMod val="50000"/>
+                          <a:lumOff val="50000"/>
+                        </a:schemeClr>
+                      </a:solidFill>
+                      <a:prstDash val="solid"/>
+                      <a:round/>
+                      <a:headEnd type="none" w="med" len="med"/>
+                      <a:tailEnd type="none" w="med" len="med"/>
+                    </a:lnL>
+                    <a:lnR w="6350" cap="flat" cmpd="sng" algn="ctr">
+                      <a:solidFill>
+                        <a:schemeClr val="tx1">
+                          <a:lumMod val="50000"/>
+                          <a:lumOff val="50000"/>
+                        </a:schemeClr>
+                      </a:solidFill>
+                      <a:prstDash val="solid"/>
+                      <a:round/>
+                      <a:headEnd type="none" w="med" len="med"/>
+                      <a:tailEnd type="none" w="med" len="med"/>
+                    </a:lnR>
+                    <a:lnT w="6350" cap="flat" cmpd="sng" algn="ctr">
+                      <a:solidFill>
+                        <a:schemeClr val="tx1">
+                          <a:lumMod val="50000"/>
+                          <a:lumOff val="50000"/>
+                        </a:schemeClr>
+                      </a:solidFill>
+                      <a:prstDash val="solid"/>
+                      <a:round/>
+                      <a:headEnd type="none" w="med" len="med"/>
+                      <a:tailEnd type="none" w="med" len="med"/>
+                    </a:lnT>
+                    <a:lnB w="6350" cap="flat" cmpd="sng" algn="ctr">
+                      <a:solidFill>
+                        <a:schemeClr val="tx1">
+                          <a:lumMod val="50000"/>
+                          <a:lumOff val="50000"/>
+                        </a:schemeClr>
+                      </a:solidFill>
+                      <a:prstDash val="solid"/>
+                      <a:round/>
+                      <a:headEnd type="none" w="med" len="med"/>
+                      <a:tailEnd type="none" w="med" len="med"/>
+                    </a:lnB>
+                    <a:noFill/>
+                  </a:tcPr>
+                </a:tc>
+                <a:extLst>
+                  <a:ext uri="{0D108BD9-81ED-4DB2-BD59-A6C34878D82A}">
+                    <a16:rowId xmlns:a16="http://schemas.microsoft.com/office/drawing/2014/main" val="3353967921"/>
+                  </a:ext>
+                </a:extLst>
+              </a:tr>
+            </a:tbl>
+          </a:graphicData>
+        </a:graphic>
+      </p:graphicFrame>
+      <p:sp>
+        <p:nvSpPr>
+          <p:cNvPr id="10" name="TextBox 9">
+            <a:extLst>
+              <a:ext uri="{FF2B5EF4-FFF2-40B4-BE49-F238E27FC236}">
+                <a16:creationId xmlns:a16="http://schemas.microsoft.com/office/drawing/2014/main" id="{9CF749D2-267D-C32F-2F12-27AEC1187D70}"/>
+              </a:ext>
+            </a:extLst>
+          </p:cNvPr>
+          <p:cNvSpPr txBox="1"/>
+          <p:nvPr/>
+        </p:nvSpPr>
+        <p:spPr>
+          <a:xfrm>
+            <a:off x="10269444" y="154961"/>
+            <a:ext cx="1989828" cy="253916"/>
+          </a:xfrm>
+          <a:prstGeom prst="rect">
+            <a:avLst/>
+          </a:prstGeom>
+          <a:noFill/>
+        </p:spPr>
+        <p:txBody>
+          <a:bodyPr wrap="square">
+            <a:spAutoFit/>
+          </a:bodyPr>
+          <a:lstStyle/>
+          <a:p>
+            <a:pPr latinLnBrk="1"/>
+            <a:r>
+              <a:rPr lang="en-US" altLang="ko-KR" sz="1050" dirty="0">
+                <a:solidFill>
+                  <a:schemeClr val="tx2">
+                    <a:lumMod val="50000"/>
+                  </a:schemeClr>
+                </a:solidFill>
+                <a:latin typeface="KoPub돋움체 Medium" panose="02020603020101020101" pitchFamily="18" charset="-127"/>
+                <a:ea typeface="KoPub돋움체 Medium" panose="02020603020101020101" pitchFamily="18" charset="-127"/>
+              </a:rPr>
+              <a:t>2022.07.04</a:t>
+            </a:r>
+            <a:endParaRPr lang="ko-KR" altLang="en-US" sz="1050" b="0" dirty="0">
+              <a:solidFill>
+                <a:schemeClr val="tx2">
+                  <a:lumMod val="50000"/>
+                </a:schemeClr>
+              </a:solidFill>
+              <a:latin typeface="KoPub돋움체 Medium" panose="02020603020101020101" pitchFamily="18" charset="-127"/>
+              <a:ea typeface="KoPub돋움체 Medium" panose="02020603020101020101" pitchFamily="18" charset="-127"/>
+            </a:endParaRPr>
+          </a:p>
+        </p:txBody>
+      </p:sp>
+    </p:spTree>
+    <p:extLst>
+      <p:ext uri="{BB962C8B-B14F-4D97-AF65-F5344CB8AC3E}">
+        <p14:creationId xmlns:p14="http://schemas.microsoft.com/office/powerpoint/2010/main" val="3190426131"/>
+      </p:ext>
+    </p:extLst>
+  </p:cSld>
+  <p:clrMapOvr>
+    <a:masterClrMapping/>
+  </p:clrMapOvr>
+</p:sld>
+</file>
+
+<file path=ppt/slides/slide11.xml><?xml version="1.0" encoding="utf-8"?>
+<p:sld xmlns:a="http://schemas.openxmlformats.org/drawingml/2006/main" xmlns:r="http://schemas.openxmlformats.org/officeDocument/2006/relationships" xmlns:p="http://schemas.openxmlformats.org/presentationml/2006/main">
+  <p:cSld>
+    <p:spTree>
+      <p:nvGrpSpPr>
+        <p:cNvPr id="1" name=""/>
+        <p:cNvGrpSpPr/>
+        <p:nvPr/>
+      </p:nvGrpSpPr>
+      <p:grpSpPr>
+        <a:xfrm>
+          <a:off x="0" y="0"/>
+          <a:ext cx="0" cy="0"/>
+          <a:chOff x="0" y="0"/>
+          <a:chExt cx="0" cy="0"/>
+        </a:xfrm>
+      </p:grpSpPr>
+      <p:sp>
+        <p:nvSpPr>
+          <p:cNvPr id="4" name="TextBox 3">
+            <a:extLst>
+              <a:ext uri="{FF2B5EF4-FFF2-40B4-BE49-F238E27FC236}">
+                <a16:creationId xmlns:a16="http://schemas.microsoft.com/office/drawing/2014/main" id="{DBC442D9-1BE5-4862-B9C4-0ACCEBBFFDED}"/>
+              </a:ext>
+            </a:extLst>
+          </p:cNvPr>
+          <p:cNvSpPr txBox="1"/>
+          <p:nvPr/>
+        </p:nvSpPr>
+        <p:spPr>
+          <a:xfrm>
+            <a:off x="1397357" y="135268"/>
+            <a:ext cx="4481849" cy="261610"/>
+          </a:xfrm>
+          <a:prstGeom prst="rect">
+            <a:avLst/>
+          </a:prstGeom>
+          <a:noFill/>
+        </p:spPr>
+        <p:txBody>
+          <a:bodyPr wrap="square">
+            <a:spAutoFit/>
+          </a:bodyPr>
+          <a:lstStyle/>
+          <a:p>
+            <a:pPr latinLnBrk="1"/>
+            <a:r>
               <a:rPr lang="ko-KR" altLang="en-US" sz="1100" b="0" dirty="0">
                 <a:solidFill>
                   <a:schemeClr val="tx2">
@@ -7967,7 +9308,7 @@
 </p:sld>
 </file>
 
-<file path=ppt/slides/slide11.xml><?xml version="1.0" encoding="utf-8"?>
+<file path=ppt/slides/slide12.xml><?xml version="1.0" encoding="utf-8"?>
 <p:sld xmlns:a="http://schemas.openxmlformats.org/drawingml/2006/main" xmlns:r="http://schemas.openxmlformats.org/officeDocument/2006/relationships" xmlns:p="http://schemas.openxmlformats.org/presentationml/2006/main">
   <p:cSld>
     <p:spTree>
@@ -9247,7 +10588,7 @@
           <p:nvPr>
             <p:extLst>
               <p:ext uri="{D42A27DB-BD31-4B8C-83A1-F6EECF244321}">
-                <p14:modId xmlns:p14="http://schemas.microsoft.com/office/powerpoint/2010/main" val="439686167"/>
+                <p14:modId xmlns:p14="http://schemas.microsoft.com/office/powerpoint/2010/main" val="1616828538"/>
               </p:ext>
             </p:extLst>
           </p:nvPr>
@@ -9625,7 +10966,10 @@
                     <a:lstStyle/>
                     <a:p>
                       <a:pPr algn="ctr" latinLnBrk="1"/>
-                      <a:endParaRPr lang="en-US" altLang="ko-KR" sz="800" b="1" dirty="0"/>
+                      <a:r>
+                        <a:rPr lang="en-US" altLang="ko-KR" sz="800" b="1" dirty="0"/>
+                        <a:t>V0.2</a:t>
+                      </a:r>
                     </a:p>
                   </a:txBody>
                   <a:tcPr anchor="ctr">
@@ -11867,6 +13211,484 @@
                 <a:latin typeface="KoPub돋움체 Medium" panose="02020603020101020101" pitchFamily="18" charset="-127"/>
                 <a:ea typeface="KoPub돋움체 Medium" panose="02020603020101020101" pitchFamily="18" charset="-127"/>
               </a:rPr>
+              <a:t>(3D </a:t>
+            </a:r>
+            <a:r>
+              <a:rPr lang="ko-KR" altLang="en-US" sz="1100" b="0" dirty="0">
+                <a:solidFill>
+                  <a:schemeClr val="tx2">
+                    <a:lumMod val="50000"/>
+                  </a:schemeClr>
+                </a:solidFill>
+                <a:latin typeface="KoPub돋움체 Medium" panose="02020603020101020101" pitchFamily="18" charset="-127"/>
+                <a:ea typeface="KoPub돋움체 Medium" panose="02020603020101020101" pitchFamily="18" charset="-127"/>
+              </a:rPr>
+              <a:t>월드 상 </a:t>
+            </a:r>
+            <a:r>
+              <a:rPr lang="en-US" altLang="ko-KR" sz="1100" b="0" dirty="0">
+                <a:solidFill>
+                  <a:schemeClr val="tx2">
+                    <a:lumMod val="50000"/>
+                  </a:schemeClr>
+                </a:solidFill>
+                <a:latin typeface="KoPub돋움체 Medium" panose="02020603020101020101" pitchFamily="18" charset="-127"/>
+                <a:ea typeface="KoPub돋움체 Medium" panose="02020603020101020101" pitchFamily="18" charset="-127"/>
+              </a:rPr>
+              <a:t>UTM-K </a:t>
+            </a:r>
+            <a:r>
+              <a:rPr lang="ko-KR" altLang="en-US" sz="1100" b="0" dirty="0">
+                <a:solidFill>
+                  <a:schemeClr val="tx2">
+                    <a:lumMod val="50000"/>
+                  </a:schemeClr>
+                </a:solidFill>
+                <a:latin typeface="KoPub돋움체 Medium" panose="02020603020101020101" pitchFamily="18" charset="-127"/>
+                <a:ea typeface="KoPub돋움체 Medium" panose="02020603020101020101" pitchFamily="18" charset="-127"/>
+              </a:rPr>
+              <a:t>표현</a:t>
+            </a:r>
+            <a:r>
+              <a:rPr lang="en-US" altLang="ko-KR" sz="1100" b="0" dirty="0">
+                <a:solidFill>
+                  <a:schemeClr val="tx2">
+                    <a:lumMod val="50000"/>
+                  </a:schemeClr>
+                </a:solidFill>
+                <a:latin typeface="KoPub돋움체 Medium" panose="02020603020101020101" pitchFamily="18" charset="-127"/>
+                <a:ea typeface="KoPub돋움체 Medium" panose="02020603020101020101" pitchFamily="18" charset="-127"/>
+              </a:rPr>
+              <a:t>)</a:t>
+            </a:r>
+            <a:r>
+              <a:rPr lang="ko-KR" altLang="en-US" sz="1100" b="0" dirty="0">
+                <a:solidFill>
+                  <a:schemeClr val="tx2">
+                    <a:lumMod val="50000"/>
+                  </a:schemeClr>
+                </a:solidFill>
+                <a:latin typeface="KoPub돋움체 Medium" panose="02020603020101020101" pitchFamily="18" charset="-127"/>
+                <a:ea typeface="KoPub돋움체 Medium" panose="02020603020101020101" pitchFamily="18" charset="-127"/>
+              </a:rPr>
+              <a:t> </a:t>
+            </a:r>
+          </a:p>
+        </p:txBody>
+      </p:sp>
+      <p:sp>
+        <p:nvSpPr>
+          <p:cNvPr id="5" name="TextBox 4">
+            <a:extLst>
+              <a:ext uri="{FF2B5EF4-FFF2-40B4-BE49-F238E27FC236}">
+                <a16:creationId xmlns:a16="http://schemas.microsoft.com/office/drawing/2014/main" id="{606EBFA3-3BF1-4431-93BD-90F1BCC1C1DB}"/>
+              </a:ext>
+            </a:extLst>
+          </p:cNvPr>
+          <p:cNvSpPr txBox="1"/>
+          <p:nvPr/>
+        </p:nvSpPr>
+        <p:spPr>
+          <a:xfrm>
+            <a:off x="1397357" y="396878"/>
+            <a:ext cx="4481849" cy="246221"/>
+          </a:xfrm>
+          <a:prstGeom prst="rect">
+            <a:avLst/>
+          </a:prstGeom>
+          <a:noFill/>
+        </p:spPr>
+        <p:txBody>
+          <a:bodyPr wrap="square">
+            <a:spAutoFit/>
+          </a:bodyPr>
+          <a:lstStyle/>
+          <a:p>
+            <a:pPr latinLnBrk="1"/>
+            <a:r>
+              <a:rPr lang="en-US" altLang="ko-KR" sz="1000" b="0" dirty="0">
+                <a:solidFill>
+                  <a:schemeClr val="tx2">
+                    <a:lumMod val="50000"/>
+                  </a:schemeClr>
+                </a:solidFill>
+                <a:latin typeface="KoPub돋움체 Medium" panose="02020603020101020101" pitchFamily="18" charset="-127"/>
+                <a:ea typeface="KoPub돋움체 Medium" panose="02020603020101020101" pitchFamily="18" charset="-127"/>
+              </a:rPr>
+              <a:t>-</a:t>
+            </a:r>
+            <a:endParaRPr lang="ko-KR" altLang="en-US" sz="1000" b="0" dirty="0">
+              <a:solidFill>
+                <a:schemeClr val="tx2">
+                  <a:lumMod val="50000"/>
+                </a:schemeClr>
+              </a:solidFill>
+              <a:latin typeface="KoPub돋움체 Medium" panose="02020603020101020101" pitchFamily="18" charset="-127"/>
+              <a:ea typeface="KoPub돋움체 Medium" panose="02020603020101020101" pitchFamily="18" charset="-127"/>
+            </a:endParaRPr>
+          </a:p>
+        </p:txBody>
+      </p:sp>
+      <p:sp>
+        <p:nvSpPr>
+          <p:cNvPr id="106" name="TextBox 105">
+            <a:extLst>
+              <a:ext uri="{FF2B5EF4-FFF2-40B4-BE49-F238E27FC236}">
+                <a16:creationId xmlns:a16="http://schemas.microsoft.com/office/drawing/2014/main" id="{EED5EC23-78C9-495E-B3A9-F3A86D8AC69E}"/>
+              </a:ext>
+            </a:extLst>
+          </p:cNvPr>
+          <p:cNvSpPr txBox="1"/>
+          <p:nvPr/>
+        </p:nvSpPr>
+        <p:spPr>
+          <a:xfrm>
+            <a:off x="140744" y="674792"/>
+            <a:ext cx="11906476" cy="896527"/>
+          </a:xfrm>
+          <a:prstGeom prst="rect">
+            <a:avLst/>
+          </a:prstGeom>
+          <a:noFill/>
+        </p:spPr>
+        <p:txBody>
+          <a:bodyPr wrap="square" rtlCol="0">
+            <a:spAutoFit/>
+          </a:bodyPr>
+          <a:lstStyle/>
+          <a:p>
+            <a:pPr>
+              <a:lnSpc>
+                <a:spcPct val="150000"/>
+              </a:lnSpc>
+            </a:pPr>
+            <a:r>
+              <a:rPr lang="ko-KR" altLang="en-US" sz="900" b="1" dirty="0"/>
+              <a:t>기능정의</a:t>
+            </a:r>
+            <a:endParaRPr lang="en-US" altLang="ko-KR" sz="900" b="1" dirty="0"/>
+          </a:p>
+          <a:p>
+            <a:pPr marL="171450" indent="-171450">
+              <a:lnSpc>
+                <a:spcPct val="150000"/>
+              </a:lnSpc>
+              <a:buFontTx/>
+              <a:buChar char="-"/>
+            </a:pPr>
+            <a:r>
+              <a:rPr lang="ko-KR" altLang="en-US" sz="900" dirty="0"/>
+              <a:t>월드상 일정 지점 클릭 시 </a:t>
+            </a:r>
+            <a:r>
+              <a:rPr lang="en-US" altLang="ko-KR" sz="900" dirty="0"/>
+              <a:t>UTM-K </a:t>
+            </a:r>
+            <a:r>
+              <a:rPr lang="ko-KR" altLang="en-US" sz="900" dirty="0"/>
+              <a:t>표현</a:t>
+            </a:r>
+            <a:r>
+              <a:rPr lang="en-US" altLang="ko-KR" sz="900" dirty="0"/>
+              <a:t> (1387599.176629074 1924687.6551367077)</a:t>
+            </a:r>
+          </a:p>
+          <a:p>
+            <a:pPr marL="171450" indent="-171450">
+              <a:lnSpc>
+                <a:spcPct val="150000"/>
+              </a:lnSpc>
+              <a:buFontTx/>
+              <a:buChar char="-"/>
+            </a:pPr>
+            <a:r>
+              <a:rPr lang="ko-KR" altLang="en-US" sz="900" dirty="0"/>
+              <a:t>독도 국가지점 좌표 </a:t>
+            </a:r>
+            <a:r>
+              <a:rPr lang="en-US" altLang="ko-KR" sz="900" dirty="0"/>
+              <a:t>(</a:t>
+            </a:r>
+            <a:r>
+              <a:rPr lang="ko-KR" altLang="en-US" sz="900" dirty="0"/>
+              <a:t>사 </a:t>
+            </a:r>
+            <a:r>
+              <a:rPr lang="ko-KR" altLang="en-US" sz="900" dirty="0" err="1"/>
+              <a:t>사</a:t>
+            </a:r>
+            <a:r>
+              <a:rPr lang="ko-KR" altLang="en-US" sz="900" dirty="0"/>
+              <a:t> </a:t>
+            </a:r>
+            <a:r>
+              <a:rPr lang="en-US" altLang="ko-KR" sz="900" dirty="0"/>
+              <a:t>8759 2468)</a:t>
+            </a:r>
+          </a:p>
+          <a:p>
+            <a:pPr marL="171450" indent="-171450">
+              <a:lnSpc>
+                <a:spcPct val="150000"/>
+              </a:lnSpc>
+              <a:buFontTx/>
+              <a:buChar char="-"/>
+            </a:pPr>
+            <a:r>
+              <a:rPr lang="ko-KR" altLang="en-US" sz="900" dirty="0"/>
+              <a:t>유니티 좌표</a:t>
+            </a:r>
+            <a:r>
+              <a:rPr lang="en-US" altLang="ko-KR" sz="900" dirty="0"/>
+              <a:t> (</a:t>
+            </a:r>
+            <a:r>
+              <a:rPr lang="ko-KR" altLang="en-US" sz="900" dirty="0"/>
+              <a:t>사 </a:t>
+            </a:r>
+            <a:r>
+              <a:rPr lang="ko-KR" altLang="en-US" sz="900" dirty="0" err="1"/>
+              <a:t>사</a:t>
+            </a:r>
+            <a:r>
+              <a:rPr lang="en-US" altLang="ko-KR" sz="900" dirty="0"/>
+              <a:t>)</a:t>
+            </a:r>
+            <a:r>
+              <a:rPr lang="ko-KR" altLang="en-US" sz="900" dirty="0"/>
+              <a:t>를 </a:t>
+            </a:r>
+            <a:r>
+              <a:rPr lang="en-US" altLang="ko-KR" sz="900" dirty="0"/>
+              <a:t>0, 0, 0</a:t>
+            </a:r>
+            <a:r>
+              <a:rPr lang="ko-KR" altLang="en-US" sz="900" dirty="0"/>
+              <a:t>으로 설정</a:t>
+            </a:r>
+            <a:r>
+              <a:rPr lang="en-US" altLang="ko-KR" sz="900" dirty="0"/>
+              <a:t>, </a:t>
+            </a:r>
+            <a:r>
+              <a:rPr lang="ko-KR" altLang="en-US" sz="900" dirty="0"/>
+              <a:t>독도 좌표</a:t>
+            </a:r>
+            <a:r>
+              <a:rPr lang="en-US" altLang="ko-KR" sz="900" dirty="0"/>
+              <a:t>(87599.17 24687.65)</a:t>
+            </a:r>
+          </a:p>
+        </p:txBody>
+      </p:sp>
+      <p:sp>
+        <p:nvSpPr>
+          <p:cNvPr id="12" name="TextBox 11">
+            <a:extLst>
+              <a:ext uri="{FF2B5EF4-FFF2-40B4-BE49-F238E27FC236}">
+                <a16:creationId xmlns:a16="http://schemas.microsoft.com/office/drawing/2014/main" id="{98502BEC-6E8A-4A71-9FE3-F68B1DE11883}"/>
+              </a:ext>
+            </a:extLst>
+          </p:cNvPr>
+          <p:cNvSpPr txBox="1"/>
+          <p:nvPr/>
+        </p:nvSpPr>
+        <p:spPr>
+          <a:xfrm>
+            <a:off x="7079411" y="388257"/>
+            <a:ext cx="1989828" cy="261610"/>
+          </a:xfrm>
+          <a:prstGeom prst="rect">
+            <a:avLst/>
+          </a:prstGeom>
+          <a:noFill/>
+        </p:spPr>
+        <p:txBody>
+          <a:bodyPr wrap="square">
+            <a:spAutoFit/>
+          </a:bodyPr>
+          <a:lstStyle/>
+          <a:p>
+            <a:pPr latinLnBrk="1"/>
+            <a:r>
+              <a:rPr lang="ko-KR" altLang="en-US" sz="1100" b="0" dirty="0">
+                <a:solidFill>
+                  <a:schemeClr val="tx2">
+                    <a:lumMod val="50000"/>
+                  </a:schemeClr>
+                </a:solidFill>
+                <a:latin typeface="KoPub돋움체 Medium" panose="020B0600000101010101" charset="-127"/>
+                <a:ea typeface="KoPub돋움체 Medium" panose="020B0600000101010101" charset="-127"/>
+              </a:rPr>
+              <a:t>김은규</a:t>
+            </a:r>
+          </a:p>
+        </p:txBody>
+      </p:sp>
+      <p:sp>
+        <p:nvSpPr>
+          <p:cNvPr id="13" name="TextBox 12">
+            <a:extLst>
+              <a:ext uri="{FF2B5EF4-FFF2-40B4-BE49-F238E27FC236}">
+                <a16:creationId xmlns:a16="http://schemas.microsoft.com/office/drawing/2014/main" id="{6E798EC2-86C3-8AF4-E28C-CC369AF48C3A}"/>
+              </a:ext>
+            </a:extLst>
+          </p:cNvPr>
+          <p:cNvSpPr txBox="1"/>
+          <p:nvPr/>
+        </p:nvSpPr>
+        <p:spPr>
+          <a:xfrm>
+            <a:off x="10269444" y="154961"/>
+            <a:ext cx="1708547" cy="253916"/>
+          </a:xfrm>
+          <a:prstGeom prst="rect">
+            <a:avLst/>
+          </a:prstGeom>
+          <a:noFill/>
+        </p:spPr>
+        <p:txBody>
+          <a:bodyPr wrap="square">
+            <a:spAutoFit/>
+          </a:bodyPr>
+          <a:lstStyle/>
+          <a:p>
+            <a:pPr latinLnBrk="1"/>
+            <a:r>
+              <a:rPr lang="en-US" altLang="ko-KR" sz="1050" dirty="0">
+                <a:solidFill>
+                  <a:schemeClr val="tx2">
+                    <a:lumMod val="50000"/>
+                  </a:schemeClr>
+                </a:solidFill>
+                <a:latin typeface="KoPub돋움체 Medium" panose="02020603020101020101" pitchFamily="18" charset="-127"/>
+                <a:ea typeface="KoPub돋움체 Medium" panose="02020603020101020101" pitchFamily="18" charset="-127"/>
+              </a:rPr>
+              <a:t>2022.06.30</a:t>
+            </a:r>
+            <a:endParaRPr lang="ko-KR" altLang="en-US" sz="1050" b="0" dirty="0">
+              <a:solidFill>
+                <a:schemeClr val="tx2">
+                  <a:lumMod val="50000"/>
+                </a:schemeClr>
+              </a:solidFill>
+              <a:latin typeface="KoPub돋움체 Medium" panose="02020603020101020101" pitchFamily="18" charset="-127"/>
+              <a:ea typeface="KoPub돋움체 Medium" panose="02020603020101020101" pitchFamily="18" charset="-127"/>
+            </a:endParaRPr>
+          </a:p>
+        </p:txBody>
+      </p:sp>
+      <p:pic>
+        <p:nvPicPr>
+          <p:cNvPr id="10" name="그림 9">
+            <a:extLst>
+              <a:ext uri="{FF2B5EF4-FFF2-40B4-BE49-F238E27FC236}">
+                <a16:creationId xmlns:a16="http://schemas.microsoft.com/office/drawing/2014/main" id="{9EF16359-BFCC-20A2-CE4A-C95E45816FB0}"/>
+              </a:ext>
+            </a:extLst>
+          </p:cNvPr>
+          <p:cNvPicPr>
+            <a:picLocks noChangeAspect="1"/>
+          </p:cNvPicPr>
+          <p:nvPr/>
+        </p:nvPicPr>
+        <p:blipFill>
+          <a:blip r:embed="rId2"/>
+          <a:stretch>
+            <a:fillRect/>
+          </a:stretch>
+        </p:blipFill>
+        <p:spPr>
+          <a:xfrm>
+            <a:off x="1596408" y="1837234"/>
+            <a:ext cx="8995147" cy="4523875"/>
+          </a:xfrm>
+          <a:prstGeom prst="rect">
+            <a:avLst/>
+          </a:prstGeom>
+        </p:spPr>
+      </p:pic>
+    </p:spTree>
+    <p:extLst>
+      <p:ext uri="{BB962C8B-B14F-4D97-AF65-F5344CB8AC3E}">
+        <p14:creationId xmlns:p14="http://schemas.microsoft.com/office/powerpoint/2010/main" val="3945922062"/>
+      </p:ext>
+    </p:extLst>
+  </p:cSld>
+  <p:clrMapOvr>
+    <a:masterClrMapping/>
+  </p:clrMapOvr>
+</p:sld>
+</file>
+
+<file path=ppt/slides/slide5.xml><?xml version="1.0" encoding="utf-8"?>
+<p:sld xmlns:a="http://schemas.openxmlformats.org/drawingml/2006/main" xmlns:r="http://schemas.openxmlformats.org/officeDocument/2006/relationships" xmlns:p="http://schemas.openxmlformats.org/presentationml/2006/main">
+  <p:cSld>
+    <p:spTree>
+      <p:nvGrpSpPr>
+        <p:cNvPr id="1" name=""/>
+        <p:cNvGrpSpPr/>
+        <p:nvPr/>
+      </p:nvGrpSpPr>
+      <p:grpSpPr>
+        <a:xfrm>
+          <a:off x="0" y="0"/>
+          <a:ext cx="0" cy="0"/>
+          <a:chOff x="0" y="0"/>
+          <a:chExt cx="0" cy="0"/>
+        </a:xfrm>
+      </p:grpSpPr>
+      <p:sp>
+        <p:nvSpPr>
+          <p:cNvPr id="4" name="TextBox 3">
+            <a:extLst>
+              <a:ext uri="{FF2B5EF4-FFF2-40B4-BE49-F238E27FC236}">
+                <a16:creationId xmlns:a16="http://schemas.microsoft.com/office/drawing/2014/main" id="{DBC442D9-1BE5-4862-B9C4-0ACCEBBFFDED}"/>
+              </a:ext>
+            </a:extLst>
+          </p:cNvPr>
+          <p:cNvSpPr txBox="1"/>
+          <p:nvPr/>
+        </p:nvSpPr>
+        <p:spPr>
+          <a:xfrm>
+            <a:off x="1397357" y="135268"/>
+            <a:ext cx="4481849" cy="261610"/>
+          </a:xfrm>
+          <a:prstGeom prst="rect">
+            <a:avLst/>
+          </a:prstGeom>
+          <a:noFill/>
+        </p:spPr>
+        <p:txBody>
+          <a:bodyPr wrap="square">
+            <a:spAutoFit/>
+          </a:bodyPr>
+          <a:lstStyle/>
+          <a:p>
+            <a:pPr latinLnBrk="1"/>
+            <a:r>
+              <a:rPr lang="ko-KR" altLang="en-US" sz="1100" b="0" dirty="0">
+                <a:solidFill>
+                  <a:schemeClr val="tx2">
+                    <a:lumMod val="50000"/>
+                  </a:schemeClr>
+                </a:solidFill>
+                <a:latin typeface="KoPub돋움체 Medium" panose="02020603020101020101" pitchFamily="18" charset="-127"/>
+                <a:ea typeface="KoPub돋움체 Medium" panose="02020603020101020101" pitchFamily="18" charset="-127"/>
+              </a:rPr>
+              <a:t>행정 효율화 서비스 </a:t>
+            </a:r>
+            <a:r>
+              <a:rPr lang="en-US" altLang="ko-KR" sz="1100" b="0" dirty="0">
+                <a:solidFill>
+                  <a:schemeClr val="tx2">
+                    <a:lumMod val="50000"/>
+                  </a:schemeClr>
+                </a:solidFill>
+                <a:latin typeface="KoPub돋움체 Medium" panose="02020603020101020101" pitchFamily="18" charset="-127"/>
+                <a:ea typeface="KoPub돋움체 Medium" panose="02020603020101020101" pitchFamily="18" charset="-127"/>
+              </a:rPr>
               <a:t>(</a:t>
             </a:r>
             <a:r>
@@ -12170,7 +13992,7 @@
 </p:sld>
 </file>
 
-<file path=ppt/slides/slide5.xml><?xml version="1.0" encoding="utf-8"?>
+<file path=ppt/slides/slide6.xml><?xml version="1.0" encoding="utf-8"?>
 <p:sld xmlns:a="http://schemas.openxmlformats.org/drawingml/2006/main" xmlns:r="http://schemas.openxmlformats.org/officeDocument/2006/relationships" xmlns:p="http://schemas.openxmlformats.org/presentationml/2006/main">
   <p:cSld>
     <p:spTree>
@@ -13359,7 +15181,7 @@
 </p:sld>
 </file>
 
-<file path=ppt/slides/slide6.xml><?xml version="1.0" encoding="utf-8"?>
+<file path=ppt/slides/slide7.xml><?xml version="1.0" encoding="utf-8"?>
 <p:sld xmlns:a="http://schemas.openxmlformats.org/drawingml/2006/main" xmlns:r="http://schemas.openxmlformats.org/officeDocument/2006/relationships" xmlns:p="http://schemas.openxmlformats.org/presentationml/2006/main">
   <p:cSld>
     <p:spTree>
@@ -14661,7 +16483,7 @@
 </p:sld>
 </file>
 
-<file path=ppt/slides/slide7.xml><?xml version="1.0" encoding="utf-8"?>
+<file path=ppt/slides/slide8.xml><?xml version="1.0" encoding="utf-8"?>
 <p:sld xmlns:a="http://schemas.openxmlformats.org/drawingml/2006/main" xmlns:r="http://schemas.openxmlformats.org/officeDocument/2006/relationships" xmlns:p="http://schemas.openxmlformats.org/presentationml/2006/main">
   <p:cSld>
     <p:spTree>
@@ -15654,7 +17476,7 @@
 </p:sld>
 </file>
 
-<file path=ppt/slides/slide8.xml><?xml version="1.0" encoding="utf-8"?>
+<file path=ppt/slides/slide9.xml><?xml version="1.0" encoding="utf-8"?>
 <p:sld xmlns:a="http://schemas.openxmlformats.org/drawingml/2006/main" xmlns:r="http://schemas.openxmlformats.org/officeDocument/2006/relationships" xmlns:p="http://schemas.openxmlformats.org/presentationml/2006/main">
   <p:cSld>
     <p:spTree>
@@ -16012,1346 +17834,6 @@
     <p:extLst>
       <p:ext uri="{BB962C8B-B14F-4D97-AF65-F5344CB8AC3E}">
         <p14:creationId xmlns:p14="http://schemas.microsoft.com/office/powerpoint/2010/main" val="3792705050"/>
-      </p:ext>
-    </p:extLst>
-  </p:cSld>
-  <p:clrMapOvr>
-    <a:masterClrMapping/>
-  </p:clrMapOvr>
-</p:sld>
-</file>
-
-<file path=ppt/slides/slide9.xml><?xml version="1.0" encoding="utf-8"?>
-<p:sld xmlns:a="http://schemas.openxmlformats.org/drawingml/2006/main" xmlns:r="http://schemas.openxmlformats.org/officeDocument/2006/relationships" xmlns:p="http://schemas.openxmlformats.org/presentationml/2006/main">
-  <p:cSld>
-    <p:spTree>
-      <p:nvGrpSpPr>
-        <p:cNvPr id="1" name=""/>
-        <p:cNvGrpSpPr/>
-        <p:nvPr/>
-      </p:nvGrpSpPr>
-      <p:grpSpPr>
-        <a:xfrm>
-          <a:off x="0" y="0"/>
-          <a:ext cx="0" cy="0"/>
-          <a:chOff x="0" y="0"/>
-          <a:chExt cx="0" cy="0"/>
-        </a:xfrm>
-      </p:grpSpPr>
-      <p:sp>
-        <p:nvSpPr>
-          <p:cNvPr id="4" name="TextBox 3">
-            <a:extLst>
-              <a:ext uri="{FF2B5EF4-FFF2-40B4-BE49-F238E27FC236}">
-                <a16:creationId xmlns:a16="http://schemas.microsoft.com/office/drawing/2014/main" id="{DBC442D9-1BE5-4862-B9C4-0ACCEBBFFDED}"/>
-              </a:ext>
-            </a:extLst>
-          </p:cNvPr>
-          <p:cNvSpPr txBox="1"/>
-          <p:nvPr/>
-        </p:nvSpPr>
-        <p:spPr>
-          <a:xfrm>
-            <a:off x="1397357" y="135268"/>
-            <a:ext cx="4481849" cy="261610"/>
-          </a:xfrm>
-          <a:prstGeom prst="rect">
-            <a:avLst/>
-          </a:prstGeom>
-          <a:noFill/>
-        </p:spPr>
-        <p:txBody>
-          <a:bodyPr wrap="square">
-            <a:spAutoFit/>
-          </a:bodyPr>
-          <a:lstStyle/>
-          <a:p>
-            <a:pPr latinLnBrk="1"/>
-            <a:r>
-              <a:rPr lang="en-US" altLang="ko-KR" sz="1100" b="0" dirty="0">
-                <a:solidFill>
-                  <a:schemeClr val="tx2">
-                    <a:lumMod val="50000"/>
-                  </a:schemeClr>
-                </a:solidFill>
-                <a:latin typeface="KoPub돋움체 Medium" panose="02020603020101020101" pitchFamily="18" charset="-127"/>
-                <a:ea typeface="KoPub돋움체 Medium" panose="02020603020101020101" pitchFamily="18" charset="-127"/>
-              </a:rPr>
-              <a:t>Map</a:t>
-            </a:r>
-            <a:r>
-              <a:rPr lang="ko-KR" altLang="en-US" sz="1100" b="0" dirty="0">
-                <a:solidFill>
-                  <a:schemeClr val="tx2">
-                    <a:lumMod val="50000"/>
-                  </a:schemeClr>
-                </a:solidFill>
-                <a:latin typeface="KoPub돋움체 Medium" panose="02020603020101020101" pitchFamily="18" charset="-127"/>
-                <a:ea typeface="KoPub돋움체 Medium" panose="02020603020101020101" pitchFamily="18" charset="-127"/>
-              </a:rPr>
-              <a:t> </a:t>
-            </a:r>
-            <a:r>
-              <a:rPr lang="en-US" altLang="ko-KR" sz="1100" b="0" dirty="0">
-                <a:solidFill>
-                  <a:schemeClr val="tx2">
-                    <a:lumMod val="50000"/>
-                  </a:schemeClr>
-                </a:solidFill>
-                <a:latin typeface="KoPub돋움체 Medium" panose="02020603020101020101" pitchFamily="18" charset="-127"/>
-                <a:ea typeface="KoPub돋움체 Medium" panose="02020603020101020101" pitchFamily="18" charset="-127"/>
-              </a:rPr>
-              <a:t>Rest</a:t>
-            </a:r>
-            <a:r>
-              <a:rPr lang="ko-KR" altLang="en-US" sz="1100" b="0" dirty="0">
-                <a:solidFill>
-                  <a:schemeClr val="tx2">
-                    <a:lumMod val="50000"/>
-                  </a:schemeClr>
-                </a:solidFill>
-                <a:latin typeface="KoPub돋움체 Medium" panose="02020603020101020101" pitchFamily="18" charset="-127"/>
-                <a:ea typeface="KoPub돋움체 Medium" panose="02020603020101020101" pitchFamily="18" charset="-127"/>
-              </a:rPr>
-              <a:t> </a:t>
-            </a:r>
-            <a:r>
-              <a:rPr lang="en-US" altLang="ko-KR" sz="1100" b="0" dirty="0">
-                <a:solidFill>
-                  <a:schemeClr val="tx2">
-                    <a:lumMod val="50000"/>
-                  </a:schemeClr>
-                </a:solidFill>
-                <a:latin typeface="KoPub돋움체 Medium" panose="02020603020101020101" pitchFamily="18" charset="-127"/>
-                <a:ea typeface="KoPub돋움체 Medium" panose="02020603020101020101" pitchFamily="18" charset="-127"/>
-              </a:rPr>
-              <a:t>API(</a:t>
-            </a:r>
-            <a:r>
-              <a:rPr lang="ko-KR" altLang="en-US" sz="1100" b="0" dirty="0">
-                <a:solidFill>
-                  <a:schemeClr val="tx2">
-                    <a:lumMod val="50000"/>
-                  </a:schemeClr>
-                </a:solidFill>
-                <a:latin typeface="KoPub돋움체 Medium" panose="02020603020101020101" pitchFamily="18" charset="-127"/>
-                <a:ea typeface="KoPub돋움체 Medium" panose="02020603020101020101" pitchFamily="18" charset="-127"/>
-              </a:rPr>
-              <a:t>지도 검색</a:t>
-            </a:r>
-            <a:r>
-              <a:rPr lang="en-US" altLang="ko-KR" sz="1100" b="0" dirty="0">
-                <a:solidFill>
-                  <a:schemeClr val="tx2">
-                    <a:lumMod val="50000"/>
-                  </a:schemeClr>
-                </a:solidFill>
-                <a:latin typeface="KoPub돋움체 Medium" panose="02020603020101020101" pitchFamily="18" charset="-127"/>
-                <a:ea typeface="KoPub돋움체 Medium" panose="02020603020101020101" pitchFamily="18" charset="-127"/>
-              </a:rPr>
-              <a:t>)</a:t>
-            </a:r>
-            <a:endParaRPr lang="ko-KR" altLang="en-US" sz="1100" b="0" dirty="0">
-              <a:solidFill>
-                <a:schemeClr val="tx2">
-                  <a:lumMod val="50000"/>
-                </a:schemeClr>
-              </a:solidFill>
-              <a:latin typeface="KoPub돋움체 Medium" panose="02020603020101020101" pitchFamily="18" charset="-127"/>
-              <a:ea typeface="KoPub돋움체 Medium" panose="02020603020101020101" pitchFamily="18" charset="-127"/>
-            </a:endParaRPr>
-          </a:p>
-        </p:txBody>
-      </p:sp>
-      <p:sp>
-        <p:nvSpPr>
-          <p:cNvPr id="5" name="TextBox 4">
-            <a:extLst>
-              <a:ext uri="{FF2B5EF4-FFF2-40B4-BE49-F238E27FC236}">
-                <a16:creationId xmlns:a16="http://schemas.microsoft.com/office/drawing/2014/main" id="{606EBFA3-3BF1-4431-93BD-90F1BCC1C1DB}"/>
-              </a:ext>
-            </a:extLst>
-          </p:cNvPr>
-          <p:cNvSpPr txBox="1"/>
-          <p:nvPr/>
-        </p:nvSpPr>
-        <p:spPr>
-          <a:xfrm>
-            <a:off x="1397357" y="396878"/>
-            <a:ext cx="4481849" cy="246221"/>
-          </a:xfrm>
-          <a:prstGeom prst="rect">
-            <a:avLst/>
-          </a:prstGeom>
-          <a:noFill/>
-        </p:spPr>
-        <p:txBody>
-          <a:bodyPr wrap="square">
-            <a:spAutoFit/>
-          </a:bodyPr>
-          <a:lstStyle/>
-          <a:p>
-            <a:pPr latinLnBrk="1"/>
-            <a:r>
-              <a:rPr lang="en-US" altLang="ko-KR" sz="1000" b="0" dirty="0">
-                <a:solidFill>
-                  <a:schemeClr val="tx2">
-                    <a:lumMod val="50000"/>
-                  </a:schemeClr>
-                </a:solidFill>
-                <a:latin typeface="KoPub돋움체 Medium" panose="02020603020101020101" pitchFamily="18" charset="-127"/>
-                <a:ea typeface="KoPub돋움체 Medium" panose="02020603020101020101" pitchFamily="18" charset="-127"/>
-              </a:rPr>
-              <a:t>-</a:t>
-            </a:r>
-            <a:endParaRPr lang="ko-KR" altLang="en-US" sz="1000" b="0" dirty="0">
-              <a:solidFill>
-                <a:schemeClr val="tx2">
-                  <a:lumMod val="50000"/>
-                </a:schemeClr>
-              </a:solidFill>
-              <a:latin typeface="KoPub돋움체 Medium" panose="02020603020101020101" pitchFamily="18" charset="-127"/>
-              <a:ea typeface="KoPub돋움체 Medium" panose="02020603020101020101" pitchFamily="18" charset="-127"/>
-            </a:endParaRPr>
-          </a:p>
-        </p:txBody>
-      </p:sp>
-      <p:sp>
-        <p:nvSpPr>
-          <p:cNvPr id="106" name="TextBox 105">
-            <a:extLst>
-              <a:ext uri="{FF2B5EF4-FFF2-40B4-BE49-F238E27FC236}">
-                <a16:creationId xmlns:a16="http://schemas.microsoft.com/office/drawing/2014/main" id="{EED5EC23-78C9-495E-B3A9-F3A86D8AC69E}"/>
-              </a:ext>
-            </a:extLst>
-          </p:cNvPr>
-          <p:cNvSpPr txBox="1"/>
-          <p:nvPr/>
-        </p:nvSpPr>
-        <p:spPr>
-          <a:xfrm>
-            <a:off x="140744" y="674792"/>
-            <a:ext cx="11906476" cy="688778"/>
-          </a:xfrm>
-          <a:prstGeom prst="rect">
-            <a:avLst/>
-          </a:prstGeom>
-          <a:noFill/>
-        </p:spPr>
-        <p:txBody>
-          <a:bodyPr wrap="square" rtlCol="0">
-            <a:spAutoFit/>
-          </a:bodyPr>
-          <a:lstStyle/>
-          <a:p>
-            <a:pPr>
-              <a:lnSpc>
-                <a:spcPct val="150000"/>
-              </a:lnSpc>
-            </a:pPr>
-            <a:r>
-              <a:rPr lang="ko-KR" altLang="en-US" sz="900" b="1" dirty="0"/>
-              <a:t>기능정의</a:t>
-            </a:r>
-            <a:endParaRPr lang="en-US" altLang="ko-KR" sz="900" b="1" dirty="0"/>
-          </a:p>
-          <a:p>
-            <a:pPr marL="171450" indent="-171450">
-              <a:lnSpc>
-                <a:spcPct val="150000"/>
-              </a:lnSpc>
-              <a:buFontTx/>
-              <a:buChar char="-"/>
-            </a:pPr>
-            <a:r>
-              <a:rPr lang="ko-KR" altLang="en-US" sz="900" b="1" dirty="0"/>
-              <a:t>지도 검색 </a:t>
-            </a:r>
-            <a:r>
-              <a:rPr lang="en-US" altLang="ko-KR" sz="900" b="1" dirty="0"/>
-              <a:t>API</a:t>
-            </a:r>
-          </a:p>
-          <a:p>
-            <a:pPr marL="171450" indent="-171450">
-              <a:lnSpc>
-                <a:spcPct val="150000"/>
-              </a:lnSpc>
-              <a:buFontTx/>
-              <a:buChar char="-"/>
-            </a:pPr>
-            <a:r>
-              <a:rPr lang="en-US" altLang="ko-KR" sz="900" b="1" dirty="0">
-                <a:hlinkClick r:id="rId2"/>
-              </a:rPr>
-              <a:t>https://www.vworld.kr/dev/v4dv_geocoderguide2_s001.do</a:t>
-            </a:r>
-            <a:endParaRPr lang="en-US" altLang="ko-KR" sz="900" b="1" dirty="0"/>
-          </a:p>
-        </p:txBody>
-      </p:sp>
-      <p:sp>
-        <p:nvSpPr>
-          <p:cNvPr id="12" name="TextBox 11">
-            <a:extLst>
-              <a:ext uri="{FF2B5EF4-FFF2-40B4-BE49-F238E27FC236}">
-                <a16:creationId xmlns:a16="http://schemas.microsoft.com/office/drawing/2014/main" id="{98502BEC-6E8A-4A71-9FE3-F68B1DE11883}"/>
-              </a:ext>
-            </a:extLst>
-          </p:cNvPr>
-          <p:cNvSpPr txBox="1"/>
-          <p:nvPr/>
-        </p:nvSpPr>
-        <p:spPr>
-          <a:xfrm>
-            <a:off x="7079411" y="388257"/>
-            <a:ext cx="1989828" cy="253916"/>
-          </a:xfrm>
-          <a:prstGeom prst="rect">
-            <a:avLst/>
-          </a:prstGeom>
-          <a:noFill/>
-        </p:spPr>
-        <p:txBody>
-          <a:bodyPr wrap="square">
-            <a:spAutoFit/>
-          </a:bodyPr>
-          <a:lstStyle/>
-          <a:p>
-            <a:pPr latinLnBrk="1"/>
-            <a:r>
-              <a:rPr lang="ko-KR" altLang="en-US" sz="1050" b="0" dirty="0">
-                <a:solidFill>
-                  <a:schemeClr val="tx2">
-                    <a:lumMod val="50000"/>
-                  </a:schemeClr>
-                </a:solidFill>
-                <a:latin typeface="KoPub돋움체 Medium" panose="02020603020101020101" pitchFamily="18" charset="-127"/>
-                <a:ea typeface="KoPub돋움체 Medium" panose="02020603020101020101" pitchFamily="18" charset="-127"/>
-              </a:rPr>
-              <a:t>김은규</a:t>
-            </a:r>
-          </a:p>
-        </p:txBody>
-      </p:sp>
-      <p:graphicFrame>
-        <p:nvGraphicFramePr>
-          <p:cNvPr id="16" name="표 99">
-            <a:extLst>
-              <a:ext uri="{FF2B5EF4-FFF2-40B4-BE49-F238E27FC236}">
-                <a16:creationId xmlns:a16="http://schemas.microsoft.com/office/drawing/2014/main" id="{ED9AAA63-C4D5-0CCE-BBDD-BEA22EFFF08A}"/>
-              </a:ext>
-            </a:extLst>
-          </p:cNvPr>
-          <p:cNvGraphicFramePr>
-            <a:graphicFrameLocks noGrp="1"/>
-          </p:cNvGraphicFramePr>
-          <p:nvPr>
-            <p:extLst>
-              <p:ext uri="{D42A27DB-BD31-4B8C-83A1-F6EECF244321}">
-                <p14:modId xmlns:p14="http://schemas.microsoft.com/office/powerpoint/2010/main" val="1284007267"/>
-              </p:ext>
-            </p:extLst>
-          </p:nvPr>
-        </p:nvGraphicFramePr>
-        <p:xfrm>
-          <a:off x="285524" y="1395263"/>
-          <a:ext cx="11616915" cy="4888090"/>
-        </p:xfrm>
-        <a:graphic>
-          <a:graphicData uri="http://schemas.openxmlformats.org/drawingml/2006/table">
-            <a:tbl>
-              <a:tblPr>
-                <a:tableStyleId>{5C22544A-7EE6-4342-B048-85BDC9FD1C3A}</a:tableStyleId>
-              </a:tblPr>
-              <a:tblGrid>
-                <a:gridCol w="1327556">
-                  <a:extLst>
-                    <a:ext uri="{9D8B030D-6E8A-4147-A177-3AD203B41FA5}">
-                      <a16:colId xmlns:a16="http://schemas.microsoft.com/office/drawing/2014/main" val="1281648951"/>
-                    </a:ext>
-                  </a:extLst>
-                </a:gridCol>
-                <a:gridCol w="7015531">
-                  <a:extLst>
-                    <a:ext uri="{9D8B030D-6E8A-4147-A177-3AD203B41FA5}">
-                      <a16:colId xmlns:a16="http://schemas.microsoft.com/office/drawing/2014/main" val="1095714194"/>
-                    </a:ext>
-                  </a:extLst>
-                </a:gridCol>
-                <a:gridCol w="3273828">
-                  <a:extLst>
-                    <a:ext uri="{9D8B030D-6E8A-4147-A177-3AD203B41FA5}">
-                      <a16:colId xmlns:a16="http://schemas.microsoft.com/office/drawing/2014/main" val="1168846081"/>
-                    </a:ext>
-                  </a:extLst>
-                </a:gridCol>
-              </a:tblGrid>
-              <a:tr h="257268">
-                <a:tc>
-                  <a:txBody>
-                    <a:bodyPr/>
-                    <a:lstStyle/>
-                    <a:p>
-                      <a:pPr algn="ctr" latinLnBrk="1"/>
-                      <a:r>
-                        <a:rPr lang="ko-KR" altLang="en-US" sz="800" b="1" dirty="0"/>
-                        <a:t>기능 종류</a:t>
-                      </a:r>
-                    </a:p>
-                  </a:txBody>
-                  <a:tcPr>
-                    <a:lnL w="6350" cap="flat" cmpd="sng" algn="ctr">
-                      <a:solidFill>
-                        <a:schemeClr val="tx1">
-                          <a:lumMod val="50000"/>
-                          <a:lumOff val="50000"/>
-                        </a:schemeClr>
-                      </a:solidFill>
-                      <a:prstDash val="solid"/>
-                      <a:round/>
-                      <a:headEnd type="none" w="med" len="med"/>
-                      <a:tailEnd type="none" w="med" len="med"/>
-                    </a:lnL>
-                    <a:lnR w="6350" cap="flat" cmpd="sng" algn="ctr">
-                      <a:solidFill>
-                        <a:schemeClr val="tx1">
-                          <a:lumMod val="50000"/>
-                          <a:lumOff val="50000"/>
-                        </a:schemeClr>
-                      </a:solidFill>
-                      <a:prstDash val="solid"/>
-                      <a:round/>
-                      <a:headEnd type="none" w="med" len="med"/>
-                      <a:tailEnd type="none" w="med" len="med"/>
-                    </a:lnR>
-                    <a:lnT w="6350" cap="flat" cmpd="sng" algn="ctr">
-                      <a:solidFill>
-                        <a:schemeClr val="tx1">
-                          <a:lumMod val="50000"/>
-                          <a:lumOff val="50000"/>
-                        </a:schemeClr>
-                      </a:solidFill>
-                      <a:prstDash val="solid"/>
-                      <a:round/>
-                      <a:headEnd type="none" w="med" len="med"/>
-                      <a:tailEnd type="none" w="med" len="med"/>
-                    </a:lnT>
-                    <a:lnB w="6350" cap="flat" cmpd="sng" algn="ctr">
-                      <a:solidFill>
-                        <a:schemeClr val="tx1">
-                          <a:lumMod val="50000"/>
-                          <a:lumOff val="50000"/>
-                        </a:schemeClr>
-                      </a:solidFill>
-                      <a:prstDash val="solid"/>
-                      <a:round/>
-                      <a:headEnd type="none" w="med" len="med"/>
-                      <a:tailEnd type="none" w="med" len="med"/>
-                    </a:lnB>
-                    <a:solidFill>
-                      <a:schemeClr val="bg1">
-                        <a:lumMod val="95000"/>
-                      </a:schemeClr>
-                    </a:solidFill>
-                  </a:tcPr>
-                </a:tc>
-                <a:tc>
-                  <a:txBody>
-                    <a:bodyPr/>
-                    <a:lstStyle/>
-                    <a:p>
-                      <a:pPr algn="ctr" latinLnBrk="1"/>
-                      <a:r>
-                        <a:rPr lang="ko-KR" altLang="en-US" sz="800" b="1" dirty="0"/>
-                        <a:t>조작키 맵</a:t>
-                      </a:r>
-                    </a:p>
-                  </a:txBody>
-                  <a:tcPr>
-                    <a:lnL w="6350" cap="flat" cmpd="sng" algn="ctr">
-                      <a:solidFill>
-                        <a:schemeClr val="tx1">
-                          <a:lumMod val="50000"/>
-                          <a:lumOff val="50000"/>
-                        </a:schemeClr>
-                      </a:solidFill>
-                      <a:prstDash val="solid"/>
-                      <a:round/>
-                      <a:headEnd type="none" w="med" len="med"/>
-                      <a:tailEnd type="none" w="med" len="med"/>
-                    </a:lnL>
-                    <a:lnR w="6350" cap="flat" cmpd="sng" algn="ctr">
-                      <a:solidFill>
-                        <a:schemeClr val="tx1">
-                          <a:lumMod val="50000"/>
-                          <a:lumOff val="50000"/>
-                        </a:schemeClr>
-                      </a:solidFill>
-                      <a:prstDash val="solid"/>
-                      <a:round/>
-                      <a:headEnd type="none" w="med" len="med"/>
-                      <a:tailEnd type="none" w="med" len="med"/>
-                    </a:lnR>
-                    <a:lnT w="6350" cap="flat" cmpd="sng" algn="ctr">
-                      <a:solidFill>
-                        <a:schemeClr val="tx1">
-                          <a:lumMod val="50000"/>
-                          <a:lumOff val="50000"/>
-                        </a:schemeClr>
-                      </a:solidFill>
-                      <a:prstDash val="solid"/>
-                      <a:round/>
-                      <a:headEnd type="none" w="med" len="med"/>
-                      <a:tailEnd type="none" w="med" len="med"/>
-                    </a:lnT>
-                    <a:lnB w="6350" cap="flat" cmpd="sng" algn="ctr">
-                      <a:solidFill>
-                        <a:schemeClr val="tx1">
-                          <a:lumMod val="50000"/>
-                          <a:lumOff val="50000"/>
-                        </a:schemeClr>
-                      </a:solidFill>
-                      <a:prstDash val="solid"/>
-                      <a:round/>
-                      <a:headEnd type="none" w="med" len="med"/>
-                      <a:tailEnd type="none" w="med" len="med"/>
-                    </a:lnB>
-                    <a:solidFill>
-                      <a:schemeClr val="bg1">
-                        <a:lumMod val="95000"/>
-                      </a:schemeClr>
-                    </a:solidFill>
-                  </a:tcPr>
-                </a:tc>
-                <a:tc>
-                  <a:txBody>
-                    <a:bodyPr/>
-                    <a:lstStyle/>
-                    <a:p>
-                      <a:pPr algn="ctr" latinLnBrk="1"/>
-                      <a:r>
-                        <a:rPr lang="ko-KR" altLang="en-US" sz="800" b="1" dirty="0"/>
-                        <a:t>설명</a:t>
-                      </a:r>
-                    </a:p>
-                  </a:txBody>
-                  <a:tcPr>
-                    <a:lnL w="6350" cap="flat" cmpd="sng" algn="ctr">
-                      <a:solidFill>
-                        <a:schemeClr val="tx1">
-                          <a:lumMod val="50000"/>
-                          <a:lumOff val="50000"/>
-                        </a:schemeClr>
-                      </a:solidFill>
-                      <a:prstDash val="solid"/>
-                      <a:round/>
-                      <a:headEnd type="none" w="med" len="med"/>
-                      <a:tailEnd type="none" w="med" len="med"/>
-                    </a:lnL>
-                    <a:lnR w="6350" cap="flat" cmpd="sng" algn="ctr">
-                      <a:solidFill>
-                        <a:schemeClr val="tx1">
-                          <a:lumMod val="50000"/>
-                          <a:lumOff val="50000"/>
-                        </a:schemeClr>
-                      </a:solidFill>
-                      <a:prstDash val="solid"/>
-                      <a:round/>
-                      <a:headEnd type="none" w="med" len="med"/>
-                      <a:tailEnd type="none" w="med" len="med"/>
-                    </a:lnR>
-                    <a:lnT w="6350" cap="flat" cmpd="sng" algn="ctr">
-                      <a:solidFill>
-                        <a:schemeClr val="tx1">
-                          <a:lumMod val="50000"/>
-                          <a:lumOff val="50000"/>
-                        </a:schemeClr>
-                      </a:solidFill>
-                      <a:prstDash val="solid"/>
-                      <a:round/>
-                      <a:headEnd type="none" w="med" len="med"/>
-                      <a:tailEnd type="none" w="med" len="med"/>
-                    </a:lnT>
-                    <a:lnB w="6350" cap="flat" cmpd="sng" algn="ctr">
-                      <a:solidFill>
-                        <a:schemeClr val="tx1">
-                          <a:lumMod val="50000"/>
-                          <a:lumOff val="50000"/>
-                        </a:schemeClr>
-                      </a:solidFill>
-                      <a:prstDash val="solid"/>
-                      <a:round/>
-                      <a:headEnd type="none" w="med" len="med"/>
-                      <a:tailEnd type="none" w="med" len="med"/>
-                    </a:lnB>
-                    <a:solidFill>
-                      <a:schemeClr val="bg1">
-                        <a:lumMod val="95000"/>
-                      </a:schemeClr>
-                    </a:solidFill>
-                  </a:tcPr>
-                </a:tc>
-                <a:extLst>
-                  <a:ext uri="{0D108BD9-81ED-4DB2-BD59-A6C34878D82A}">
-                    <a16:rowId xmlns:a16="http://schemas.microsoft.com/office/drawing/2014/main" val="3935869747"/>
-                  </a:ext>
-                </a:extLst>
-              </a:tr>
-              <a:tr h="4630822">
-                <a:tc>
-                  <a:txBody>
-                    <a:bodyPr/>
-                    <a:lstStyle/>
-                    <a:p>
-                      <a:pPr algn="ctr" latinLnBrk="1"/>
-                      <a:r>
-                        <a:rPr lang="en-US" altLang="ko-KR" sz="800" b="1" dirty="0"/>
-                        <a:t>Rest API</a:t>
-                      </a:r>
-                    </a:p>
-                  </a:txBody>
-                  <a:tcPr anchor="ctr">
-                    <a:lnL w="6350" cap="flat" cmpd="sng" algn="ctr">
-                      <a:solidFill>
-                        <a:schemeClr val="tx1">
-                          <a:lumMod val="50000"/>
-                          <a:lumOff val="50000"/>
-                        </a:schemeClr>
-                      </a:solidFill>
-                      <a:prstDash val="solid"/>
-                      <a:round/>
-                      <a:headEnd type="none" w="med" len="med"/>
-                      <a:tailEnd type="none" w="med" len="med"/>
-                    </a:lnL>
-                    <a:lnR w="6350" cap="flat" cmpd="sng" algn="ctr">
-                      <a:solidFill>
-                        <a:schemeClr val="tx1">
-                          <a:lumMod val="50000"/>
-                          <a:lumOff val="50000"/>
-                        </a:schemeClr>
-                      </a:solidFill>
-                      <a:prstDash val="solid"/>
-                      <a:round/>
-                      <a:headEnd type="none" w="med" len="med"/>
-                      <a:tailEnd type="none" w="med" len="med"/>
-                    </a:lnR>
-                    <a:lnT w="6350" cap="flat" cmpd="sng" algn="ctr">
-                      <a:solidFill>
-                        <a:schemeClr val="tx1">
-                          <a:lumMod val="50000"/>
-                          <a:lumOff val="50000"/>
-                        </a:schemeClr>
-                      </a:solidFill>
-                      <a:prstDash val="solid"/>
-                      <a:round/>
-                      <a:headEnd type="none" w="med" len="med"/>
-                      <a:tailEnd type="none" w="med" len="med"/>
-                    </a:lnT>
-                    <a:lnB w="6350" cap="flat" cmpd="sng" algn="ctr">
-                      <a:solidFill>
-                        <a:schemeClr val="tx1">
-                          <a:lumMod val="50000"/>
-                          <a:lumOff val="50000"/>
-                        </a:schemeClr>
-                      </a:solidFill>
-                      <a:prstDash val="solid"/>
-                      <a:round/>
-                      <a:headEnd type="none" w="med" len="med"/>
-                      <a:tailEnd type="none" w="med" len="med"/>
-                    </a:lnB>
-                    <a:noFill/>
-                  </a:tcPr>
-                </a:tc>
-                <a:tc gridSpan="2">
-                  <a:txBody>
-                    <a:bodyPr/>
-                    <a:lstStyle/>
-                    <a:p>
-                      <a:pPr latinLnBrk="1">
-                        <a:lnSpc>
-                          <a:spcPct val="150000"/>
-                        </a:lnSpc>
-                      </a:pPr>
-                      <a:r>
-                        <a:rPr lang="ko-KR" altLang="en-US" sz="1200" dirty="0"/>
-                        <a:t>요청 </a:t>
-                      </a:r>
-                      <a:r>
-                        <a:rPr lang="en-US" altLang="ko-KR" sz="1200" dirty="0"/>
-                        <a:t>URL Sample</a:t>
-                      </a:r>
-                    </a:p>
-                    <a:p>
-                      <a:pPr marL="0" marR="0" lvl="0" indent="0" algn="l" defTabSz="914400" rtl="0" eaLnBrk="1" fontAlgn="auto" latinLnBrk="1" hangingPunct="1">
-                        <a:lnSpc>
-                          <a:spcPct val="150000"/>
-                        </a:lnSpc>
-                        <a:spcBef>
-                          <a:spcPts val="0"/>
-                        </a:spcBef>
-                        <a:spcAft>
-                          <a:spcPts val="0"/>
-                        </a:spcAft>
-                        <a:buClrTx/>
-                        <a:buSzTx/>
-                        <a:buFontTx/>
-                        <a:buNone/>
-                        <a:tabLst/>
-                        <a:defRPr/>
-                      </a:pPr>
-                      <a:r>
-                        <a:rPr lang="en-US" altLang="ko-KR" sz="1200" dirty="0"/>
-                        <a:t> </a:t>
-                      </a:r>
-                      <a:r>
-                        <a:rPr lang="ko-KR" altLang="en-US" sz="1200" dirty="0"/>
-                        <a:t>예시 </a:t>
-                      </a:r>
-                      <a:r>
-                        <a:rPr lang="en-US" altLang="ko-KR" sz="1200" dirty="0"/>
-                        <a:t>URL</a:t>
-                      </a:r>
-                    </a:p>
-                    <a:p>
-                      <a:pPr marL="0" marR="0" lvl="0" indent="0" algn="l" defTabSz="914400" rtl="0" eaLnBrk="1" fontAlgn="auto" latinLnBrk="1" hangingPunct="1">
-                        <a:lnSpc>
-                          <a:spcPct val="150000"/>
-                        </a:lnSpc>
-                        <a:spcBef>
-                          <a:spcPts val="0"/>
-                        </a:spcBef>
-                        <a:spcAft>
-                          <a:spcPts val="0"/>
-                        </a:spcAft>
-                        <a:buClrTx/>
-                        <a:buSzTx/>
-                        <a:buFontTx/>
-                        <a:buNone/>
-                        <a:tabLst/>
-                        <a:defRPr/>
-                      </a:pPr>
-                      <a:r>
-                        <a:rPr lang="en-US" altLang="ko-KR" sz="1200" dirty="0">
-                          <a:hlinkClick r:id="rId3"/>
-                        </a:rPr>
-                        <a:t>https://api.vworld.kr/req/address?service=address&amp;request=getcoord&amp;version=2.0&amp;crs=epsg:4326&amp;address=%ED%9A%A8%EB%A0%B9%EB%A1%9C72%EA%B8%B8%2060&amp;refine=true&amp;simple=false&amp;format=json&amp;type=road&amp;key=AFC65E9D-9F5D-3E1F-ADA2-5AAD35E706EA</a:t>
-                      </a:r>
-                      <a:endParaRPr lang="en-US" altLang="ko-KR" sz="1200" dirty="0"/>
-                    </a:p>
-                    <a:p>
-                      <a:pPr marL="0" marR="0" lvl="0" indent="0" algn="l" defTabSz="914400" rtl="0" eaLnBrk="1" fontAlgn="auto" latinLnBrk="1" hangingPunct="1">
-                        <a:lnSpc>
-                          <a:spcPct val="150000"/>
-                        </a:lnSpc>
-                        <a:spcBef>
-                          <a:spcPts val="0"/>
-                        </a:spcBef>
-                        <a:spcAft>
-                          <a:spcPts val="0"/>
-                        </a:spcAft>
-                        <a:buClrTx/>
-                        <a:buSzTx/>
-                        <a:buFontTx/>
-                        <a:buNone/>
-                        <a:tabLst/>
-                        <a:defRPr/>
-                      </a:pPr>
-                      <a:endParaRPr lang="en-US" altLang="ko-KR" sz="1200" dirty="0"/>
-                    </a:p>
-                    <a:p>
-                      <a:pPr marL="0" marR="0" lvl="0" indent="0" algn="l" defTabSz="914400" rtl="0" eaLnBrk="1" fontAlgn="auto" latinLnBrk="1" hangingPunct="1">
-                        <a:lnSpc>
-                          <a:spcPct val="150000"/>
-                        </a:lnSpc>
-                        <a:spcBef>
-                          <a:spcPts val="0"/>
-                        </a:spcBef>
-                        <a:spcAft>
-                          <a:spcPts val="0"/>
-                        </a:spcAft>
-                        <a:buClrTx/>
-                        <a:buSzTx/>
-                        <a:buFontTx/>
-                        <a:buNone/>
-                        <a:tabLst/>
-                        <a:defRPr/>
-                      </a:pPr>
-                      <a:r>
-                        <a:rPr lang="ko-KR" altLang="en-US" sz="1200" dirty="0" err="1"/>
-                        <a:t>요청파라미터</a:t>
-                      </a:r>
-                      <a:endParaRPr lang="en-US" altLang="ko-KR" sz="1200" dirty="0"/>
-                    </a:p>
-                    <a:p>
-                      <a:pPr latinLnBrk="1">
-                        <a:lnSpc>
-                          <a:spcPct val="150000"/>
-                        </a:lnSpc>
-                      </a:pPr>
-                      <a:r>
-                        <a:rPr lang="en-US" altLang="ko-KR" sz="1200" dirty="0"/>
-                        <a:t> key : </a:t>
-                      </a:r>
-                      <a:r>
-                        <a:rPr lang="ko-KR" altLang="en-US" sz="1200" dirty="0"/>
-                        <a:t>발급받은 </a:t>
-                      </a:r>
-                      <a:r>
-                        <a:rPr lang="en-US" altLang="ko-KR" sz="1200" dirty="0" err="1"/>
-                        <a:t>api</a:t>
-                      </a:r>
-                      <a:r>
-                        <a:rPr lang="en-US" altLang="ko-KR" sz="1200" dirty="0"/>
-                        <a:t> key</a:t>
-                      </a:r>
-                    </a:p>
-                    <a:p>
-                      <a:pPr latinLnBrk="1">
-                        <a:lnSpc>
-                          <a:spcPct val="150000"/>
-                        </a:lnSpc>
-                      </a:pPr>
-                      <a:r>
-                        <a:rPr lang="en-US" altLang="ko-KR" sz="1200" dirty="0"/>
-                        <a:t> format : </a:t>
-                      </a:r>
-                      <a:r>
-                        <a:rPr lang="ko-KR" altLang="en-US" sz="1200" dirty="0"/>
-                        <a:t>응답결과 포맷 </a:t>
-                      </a:r>
-                      <a:r>
-                        <a:rPr lang="en-US" altLang="ko-KR" sz="1200" dirty="0" err="1"/>
-                        <a:t>json</a:t>
-                      </a:r>
-                      <a:r>
-                        <a:rPr lang="en-US" altLang="ko-KR" sz="1200" dirty="0"/>
-                        <a:t>(</a:t>
-                      </a:r>
-                      <a:r>
-                        <a:rPr lang="ko-KR" altLang="en-US" sz="1200" dirty="0"/>
-                        <a:t>기본값</a:t>
-                      </a:r>
-                      <a:r>
-                        <a:rPr lang="en-US" altLang="ko-KR" sz="1200" dirty="0"/>
-                        <a:t>), xml</a:t>
-                      </a:r>
-                    </a:p>
-                    <a:p>
-                      <a:pPr latinLnBrk="1">
-                        <a:lnSpc>
-                          <a:spcPct val="150000"/>
-                        </a:lnSpc>
-                      </a:pPr>
-                      <a:r>
-                        <a:rPr lang="en-US" altLang="ko-KR" sz="1200" dirty="0"/>
-                        <a:t> type : </a:t>
-                      </a:r>
-                      <a:r>
-                        <a:rPr lang="ko-KR" altLang="en-US" sz="1200" dirty="0"/>
-                        <a:t>검색 주소 유형 </a:t>
-                      </a:r>
-                      <a:r>
-                        <a:rPr lang="en-US" altLang="ko-KR" sz="1200" dirty="0"/>
-                        <a:t>(PARCEL : </a:t>
-                      </a:r>
-                      <a:r>
-                        <a:rPr lang="ko-KR" altLang="en-US" sz="1200" dirty="0"/>
-                        <a:t>지번주소</a:t>
-                      </a:r>
-                      <a:r>
-                        <a:rPr lang="en-US" altLang="ko-KR" sz="1200" dirty="0"/>
-                        <a:t>, ROAD : </a:t>
-                      </a:r>
-                      <a:r>
-                        <a:rPr lang="ko-KR" altLang="en-US" sz="1200" dirty="0"/>
-                        <a:t>도로명주소</a:t>
-                      </a:r>
-                      <a:r>
-                        <a:rPr lang="en-US" altLang="ko-KR" sz="1200" dirty="0"/>
-                        <a:t>)</a:t>
-                      </a:r>
-                    </a:p>
-                    <a:p>
-                      <a:pPr latinLnBrk="1">
-                        <a:lnSpc>
-                          <a:spcPct val="150000"/>
-                        </a:lnSpc>
-                      </a:pPr>
-                      <a:r>
-                        <a:rPr lang="en-US" altLang="ko-KR" sz="1200" dirty="0"/>
-                        <a:t> address : </a:t>
-                      </a:r>
-                      <a:r>
-                        <a:rPr lang="ko-KR" altLang="en-US" sz="1200" dirty="0"/>
-                        <a:t>검색 키워드</a:t>
-                      </a:r>
-                      <a:endParaRPr lang="en-US" altLang="ko-KR" sz="1200" dirty="0"/>
-                    </a:p>
-                    <a:p>
-                      <a:pPr latinLnBrk="1">
-                        <a:lnSpc>
-                          <a:spcPct val="150000"/>
-                        </a:lnSpc>
-                      </a:pPr>
-                      <a:endParaRPr lang="en-US" altLang="ko-KR" sz="1200" dirty="0"/>
-                    </a:p>
-                    <a:p>
-                      <a:pPr latinLnBrk="1">
-                        <a:lnSpc>
-                          <a:spcPct val="150000"/>
-                        </a:lnSpc>
-                      </a:pPr>
-                      <a:r>
-                        <a:rPr lang="ko-KR" altLang="en-US" sz="1200" dirty="0"/>
-                        <a:t>응답 예시</a:t>
-                      </a:r>
-                      <a:endParaRPr lang="en-US" altLang="ko-KR" sz="1200" dirty="0"/>
-                    </a:p>
-                    <a:p>
-                      <a:pPr latinLnBrk="1">
-                        <a:lnSpc>
-                          <a:spcPct val="150000"/>
-                        </a:lnSpc>
-                      </a:pPr>
-                      <a:r>
-                        <a:rPr lang="en-US" altLang="ko-KR" sz="1200" dirty="0"/>
-                        <a:t>{"response" : {"service" : {"name" : "address", "version" : "2.0", "operation" : "</a:t>
-                      </a:r>
-                      <a:r>
-                        <a:rPr lang="en-US" altLang="ko-KR" sz="1200" dirty="0" err="1"/>
-                        <a:t>getcoord</a:t>
-                      </a:r>
-                      <a:r>
-                        <a:rPr lang="en-US" altLang="ko-KR" sz="1200" dirty="0"/>
-                        <a:t>", "time" : "21(</a:t>
-                      </a:r>
-                      <a:r>
-                        <a:rPr lang="en-US" altLang="ko-KR" sz="1200" dirty="0" err="1"/>
-                        <a:t>ms</a:t>
-                      </a:r>
-                      <a:r>
-                        <a:rPr lang="en-US" altLang="ko-KR" sz="1200" dirty="0"/>
-                        <a:t>)"}, "status" : "OK", "input" : {"type" : "road", "address" : "</a:t>
-                      </a:r>
-                      <a:r>
-                        <a:rPr lang="ko-KR" altLang="en-US" sz="1200" dirty="0" err="1"/>
-                        <a:t>효령로</a:t>
-                      </a:r>
-                      <a:r>
-                        <a:rPr lang="en-US" altLang="ko-KR" sz="1200" dirty="0"/>
-                        <a:t>72</a:t>
-                      </a:r>
-                      <a:r>
-                        <a:rPr lang="ko-KR" altLang="en-US" sz="1200" dirty="0"/>
-                        <a:t>길 </a:t>
-                      </a:r>
-                      <a:r>
-                        <a:rPr lang="en-US" altLang="ko-KR" sz="1200" dirty="0"/>
-                        <a:t>60"}, "refined" : {"text" : "</a:t>
-                      </a:r>
-                      <a:r>
-                        <a:rPr lang="ko-KR" altLang="en-US" sz="1200" dirty="0"/>
-                        <a:t>서울특별시 서초구 </a:t>
-                      </a:r>
-                      <a:r>
-                        <a:rPr lang="ko-KR" altLang="en-US" sz="1200" dirty="0" err="1"/>
-                        <a:t>효령로</a:t>
-                      </a:r>
-                      <a:r>
-                        <a:rPr lang="en-US" altLang="ko-KR" sz="1200" dirty="0"/>
-                        <a:t>72</a:t>
-                      </a:r>
-                      <a:r>
-                        <a:rPr lang="ko-KR" altLang="en-US" sz="1200" dirty="0"/>
-                        <a:t>길 </a:t>
-                      </a:r>
-                      <a:r>
-                        <a:rPr lang="en-US" altLang="ko-KR" sz="1200" dirty="0"/>
-                        <a:t>60 (</a:t>
-                      </a:r>
-                      <a:r>
-                        <a:rPr lang="ko-KR" altLang="en-US" sz="1200" dirty="0"/>
-                        <a:t>서초동</a:t>
-                      </a:r>
-                      <a:r>
-                        <a:rPr lang="en-US" altLang="ko-KR" sz="1200" dirty="0"/>
-                        <a:t>)", "structure" : {"level0" : "</a:t>
-                      </a:r>
-                      <a:r>
-                        <a:rPr lang="ko-KR" altLang="en-US" sz="1200" dirty="0"/>
-                        <a:t>대한민국</a:t>
-                      </a:r>
-                      <a:r>
-                        <a:rPr lang="en-US" altLang="ko-KR" sz="1200" dirty="0"/>
-                        <a:t>", "level1" : "</a:t>
-                      </a:r>
-                      <a:r>
-                        <a:rPr lang="ko-KR" altLang="en-US" sz="1200" dirty="0"/>
-                        <a:t>서울특별시</a:t>
-                      </a:r>
-                      <a:r>
-                        <a:rPr lang="en-US" altLang="ko-KR" sz="1200" dirty="0"/>
-                        <a:t>", "level2" : "</a:t>
-                      </a:r>
-                      <a:r>
-                        <a:rPr lang="ko-KR" altLang="en-US" sz="1200" dirty="0"/>
-                        <a:t>서초구</a:t>
-                      </a:r>
-                      <a:r>
-                        <a:rPr lang="en-US" altLang="ko-KR" sz="1200" dirty="0"/>
-                        <a:t>", "level3" : "</a:t>
-                      </a:r>
-                      <a:r>
-                        <a:rPr lang="ko-KR" altLang="en-US" sz="1200" dirty="0"/>
-                        <a:t>서초동</a:t>
-                      </a:r>
-                      <a:r>
-                        <a:rPr lang="en-US" altLang="ko-KR" sz="1200" dirty="0"/>
-                        <a:t>", "level4L" : "</a:t>
-                      </a:r>
-                      <a:r>
-                        <a:rPr lang="ko-KR" altLang="en-US" sz="1200" dirty="0" err="1"/>
-                        <a:t>효령로</a:t>
-                      </a:r>
-                      <a:r>
-                        <a:rPr lang="en-US" altLang="ko-KR" sz="1200" dirty="0"/>
-                        <a:t>72</a:t>
-                      </a:r>
-                      <a:r>
-                        <a:rPr lang="ko-KR" altLang="en-US" sz="1200" dirty="0"/>
-                        <a:t>길</a:t>
-                      </a:r>
-                      <a:r>
-                        <a:rPr lang="en-US" altLang="ko-KR" sz="1200" dirty="0"/>
-                        <a:t>", "level4LC" : "", "level4A" : "</a:t>
-                      </a:r>
-                      <a:r>
-                        <a:rPr lang="ko-KR" altLang="en-US" sz="1200" dirty="0"/>
-                        <a:t>서초</a:t>
-                      </a:r>
-                      <a:r>
-                        <a:rPr lang="en-US" altLang="ko-KR" sz="1200" dirty="0"/>
-                        <a:t>2</a:t>
-                      </a:r>
-                      <a:r>
-                        <a:rPr lang="ko-KR" altLang="en-US" sz="1200" dirty="0"/>
-                        <a:t>동</a:t>
-                      </a:r>
-                      <a:r>
-                        <a:rPr lang="en-US" altLang="ko-KR" sz="1200" dirty="0"/>
-                        <a:t>", "level4AC" : "1165052000", "level5" : "60", "detail" : "</a:t>
-                      </a:r>
-                      <a:r>
-                        <a:rPr lang="ko-KR" altLang="en-US" sz="1200" dirty="0"/>
-                        <a:t>한전아트센터</a:t>
-                      </a:r>
-                      <a:r>
-                        <a:rPr lang="en-US" altLang="ko-KR" sz="1200" dirty="0"/>
-                        <a:t>"}}, "result" : {"</a:t>
-                      </a:r>
-                      <a:r>
-                        <a:rPr lang="en-US" altLang="ko-KR" sz="1200" dirty="0" err="1"/>
-                        <a:t>crs</a:t>
-                      </a:r>
-                      <a:r>
-                        <a:rPr lang="en-US" altLang="ko-KR" sz="1200" dirty="0"/>
-                        <a:t>" : "EPSG:4326", "point" : {"x" : "127.027975025", "y" : "37.485553169"}}}}</a:t>
-                      </a:r>
-                    </a:p>
-                  </a:txBody>
-                  <a:tcPr>
-                    <a:lnL w="6350" cap="flat" cmpd="sng" algn="ctr">
-                      <a:solidFill>
-                        <a:schemeClr val="tx1">
-                          <a:lumMod val="50000"/>
-                          <a:lumOff val="50000"/>
-                        </a:schemeClr>
-                      </a:solidFill>
-                      <a:prstDash val="solid"/>
-                      <a:round/>
-                      <a:headEnd type="none" w="med" len="med"/>
-                      <a:tailEnd type="none" w="med" len="med"/>
-                    </a:lnL>
-                    <a:lnR w="6350" cap="flat" cmpd="sng" algn="ctr">
-                      <a:solidFill>
-                        <a:schemeClr val="tx1">
-                          <a:lumMod val="50000"/>
-                          <a:lumOff val="50000"/>
-                        </a:schemeClr>
-                      </a:solidFill>
-                      <a:prstDash val="solid"/>
-                      <a:round/>
-                      <a:headEnd type="none" w="med" len="med"/>
-                      <a:tailEnd type="none" w="med" len="med"/>
-                    </a:lnR>
-                    <a:lnT w="6350" cap="flat" cmpd="sng" algn="ctr">
-                      <a:solidFill>
-                        <a:schemeClr val="tx1">
-                          <a:lumMod val="50000"/>
-                          <a:lumOff val="50000"/>
-                        </a:schemeClr>
-                      </a:solidFill>
-                      <a:prstDash val="solid"/>
-                      <a:round/>
-                      <a:headEnd type="none" w="med" len="med"/>
-                      <a:tailEnd type="none" w="med" len="med"/>
-                    </a:lnT>
-                    <a:lnB w="6350" cap="flat" cmpd="sng" algn="ctr">
-                      <a:solidFill>
-                        <a:schemeClr val="tx1">
-                          <a:lumMod val="50000"/>
-                          <a:lumOff val="50000"/>
-                        </a:schemeClr>
-                      </a:solidFill>
-                      <a:prstDash val="solid"/>
-                      <a:round/>
-                      <a:headEnd type="none" w="med" len="med"/>
-                      <a:tailEnd type="none" w="med" len="med"/>
-                    </a:lnB>
-                    <a:noFill/>
-                  </a:tcPr>
-                </a:tc>
-                <a:tc hMerge="1">
-                  <a:txBody>
-                    <a:bodyPr/>
-                    <a:lstStyle/>
-                    <a:p>
-                      <a:pPr marL="171450" indent="-171450">
-                        <a:lnSpc>
-                          <a:spcPct val="150000"/>
-                        </a:lnSpc>
-                        <a:buFontTx/>
-                        <a:buChar char="-"/>
-                      </a:pPr>
-                      <a:r>
-                        <a:rPr lang="en-US" altLang="ko-KR" sz="800" dirty="0"/>
-                        <a:t>W</a:t>
-                      </a:r>
-                      <a:r>
-                        <a:rPr lang="ko-KR" altLang="en-US" sz="800" dirty="0"/>
-                        <a:t>키를 누를 경우</a:t>
-                      </a:r>
-                      <a:r>
-                        <a:rPr lang="en-US" altLang="ko-KR" sz="800" dirty="0"/>
-                        <a:t>, </a:t>
-                      </a:r>
-                      <a:r>
-                        <a:rPr lang="ko-KR" altLang="en-US" sz="800" dirty="0"/>
-                        <a:t>선택 모드가 됩니다</a:t>
-                      </a:r>
-                      <a:r>
-                        <a:rPr lang="en-US" altLang="ko-KR" sz="800" dirty="0"/>
-                        <a:t>.</a:t>
-                      </a:r>
-                    </a:p>
-                    <a:p>
-                      <a:pPr marL="171450" indent="-171450">
-                        <a:lnSpc>
-                          <a:spcPct val="150000"/>
-                        </a:lnSpc>
-                        <a:buFontTx/>
-                        <a:buChar char="-"/>
-                      </a:pPr>
-                      <a:r>
-                        <a:rPr lang="en-US" altLang="ko-KR" sz="800" dirty="0"/>
-                        <a:t>G</a:t>
-                      </a:r>
-                      <a:r>
-                        <a:rPr lang="ko-KR" altLang="en-US" sz="800" dirty="0"/>
-                        <a:t>키를 누를 경우</a:t>
-                      </a:r>
-                      <a:r>
-                        <a:rPr lang="en-US" altLang="ko-KR" sz="800" dirty="0"/>
-                        <a:t>, </a:t>
-                      </a:r>
-                      <a:r>
-                        <a:rPr lang="ko-KR" altLang="en-US" sz="800" dirty="0"/>
-                        <a:t>이동 모드가 됩니다</a:t>
-                      </a:r>
-                      <a:r>
-                        <a:rPr lang="en-US" altLang="ko-KR" sz="800" dirty="0"/>
-                        <a:t>.</a:t>
-                      </a:r>
-                    </a:p>
-                    <a:p>
-                      <a:pPr marL="171450" indent="-171450">
-                        <a:lnSpc>
-                          <a:spcPct val="150000"/>
-                        </a:lnSpc>
-                        <a:buFontTx/>
-                        <a:buChar char="-"/>
-                      </a:pPr>
-                      <a:r>
-                        <a:rPr lang="en-US" altLang="ko-KR" sz="800" dirty="0"/>
-                        <a:t>R</a:t>
-                      </a:r>
-                      <a:r>
-                        <a:rPr lang="ko-KR" altLang="en-US" sz="800" dirty="0"/>
-                        <a:t>키를 누를 경우</a:t>
-                      </a:r>
-                      <a:r>
-                        <a:rPr lang="en-US" altLang="ko-KR" sz="800" dirty="0"/>
-                        <a:t>, </a:t>
-                      </a:r>
-                      <a:r>
-                        <a:rPr lang="ko-KR" altLang="en-US" sz="800" dirty="0"/>
-                        <a:t>회전 모드가 됩니다</a:t>
-                      </a:r>
-                      <a:r>
-                        <a:rPr lang="en-US" altLang="ko-KR" sz="800" dirty="0"/>
-                        <a:t>.</a:t>
-                      </a:r>
-                    </a:p>
-                    <a:p>
-                      <a:pPr marL="171450" indent="-171450">
-                        <a:lnSpc>
-                          <a:spcPct val="150000"/>
-                        </a:lnSpc>
-                        <a:buFontTx/>
-                        <a:buChar char="-"/>
-                      </a:pPr>
-                      <a:r>
-                        <a:rPr lang="en-US" altLang="ko-KR" sz="800" dirty="0"/>
-                        <a:t>S</a:t>
-                      </a:r>
-                      <a:r>
-                        <a:rPr lang="ko-KR" altLang="en-US" sz="800" dirty="0"/>
-                        <a:t>키를 누를 경우</a:t>
-                      </a:r>
-                      <a:r>
-                        <a:rPr lang="en-US" altLang="ko-KR" sz="800" dirty="0"/>
-                        <a:t>, </a:t>
-                      </a:r>
-                      <a:r>
-                        <a:rPr lang="ko-KR" altLang="en-US" sz="800" dirty="0"/>
-                        <a:t>크기 제어 모드가 됩니다</a:t>
-                      </a:r>
-                      <a:r>
-                        <a:rPr lang="en-US" altLang="ko-KR" sz="800" dirty="0"/>
-                        <a:t>.</a:t>
-                      </a:r>
-                    </a:p>
-                  </a:txBody>
-                  <a:tcPr anchor="ctr">
-                    <a:lnL w="6350" cap="flat" cmpd="sng" algn="ctr">
-                      <a:solidFill>
-                        <a:schemeClr val="tx1">
-                          <a:lumMod val="50000"/>
-                          <a:lumOff val="50000"/>
-                        </a:schemeClr>
-                      </a:solidFill>
-                      <a:prstDash val="solid"/>
-                      <a:round/>
-                      <a:headEnd type="none" w="med" len="med"/>
-                      <a:tailEnd type="none" w="med" len="med"/>
-                    </a:lnL>
-                    <a:lnR w="6350" cap="flat" cmpd="sng" algn="ctr">
-                      <a:solidFill>
-                        <a:schemeClr val="tx1">
-                          <a:lumMod val="50000"/>
-                          <a:lumOff val="50000"/>
-                        </a:schemeClr>
-                      </a:solidFill>
-                      <a:prstDash val="solid"/>
-                      <a:round/>
-                      <a:headEnd type="none" w="med" len="med"/>
-                      <a:tailEnd type="none" w="med" len="med"/>
-                    </a:lnR>
-                    <a:lnT w="6350" cap="flat" cmpd="sng" algn="ctr">
-                      <a:solidFill>
-                        <a:schemeClr val="tx1">
-                          <a:lumMod val="50000"/>
-                          <a:lumOff val="50000"/>
-                        </a:schemeClr>
-                      </a:solidFill>
-                      <a:prstDash val="solid"/>
-                      <a:round/>
-                      <a:headEnd type="none" w="med" len="med"/>
-                      <a:tailEnd type="none" w="med" len="med"/>
-                    </a:lnT>
-                    <a:lnB w="6350" cap="flat" cmpd="sng" algn="ctr">
-                      <a:solidFill>
-                        <a:schemeClr val="tx1">
-                          <a:lumMod val="50000"/>
-                          <a:lumOff val="50000"/>
-                        </a:schemeClr>
-                      </a:solidFill>
-                      <a:prstDash val="solid"/>
-                      <a:round/>
-                      <a:headEnd type="none" w="med" len="med"/>
-                      <a:tailEnd type="none" w="med" len="med"/>
-                    </a:lnB>
-                    <a:noFill/>
-                  </a:tcPr>
-                </a:tc>
-                <a:extLst>
-                  <a:ext uri="{0D108BD9-81ED-4DB2-BD59-A6C34878D82A}">
-                    <a16:rowId xmlns:a16="http://schemas.microsoft.com/office/drawing/2014/main" val="3353967921"/>
-                  </a:ext>
-                </a:extLst>
-              </a:tr>
-            </a:tbl>
-          </a:graphicData>
-        </a:graphic>
-      </p:graphicFrame>
-      <p:sp>
-        <p:nvSpPr>
-          <p:cNvPr id="10" name="TextBox 9">
-            <a:extLst>
-              <a:ext uri="{FF2B5EF4-FFF2-40B4-BE49-F238E27FC236}">
-                <a16:creationId xmlns:a16="http://schemas.microsoft.com/office/drawing/2014/main" id="{9CF749D2-267D-C32F-2F12-27AEC1187D70}"/>
-              </a:ext>
-            </a:extLst>
-          </p:cNvPr>
-          <p:cNvSpPr txBox="1"/>
-          <p:nvPr/>
-        </p:nvSpPr>
-        <p:spPr>
-          <a:xfrm>
-            <a:off x="10269444" y="154961"/>
-            <a:ext cx="1989828" cy="253916"/>
-          </a:xfrm>
-          <a:prstGeom prst="rect">
-            <a:avLst/>
-          </a:prstGeom>
-          <a:noFill/>
-        </p:spPr>
-        <p:txBody>
-          <a:bodyPr wrap="square">
-            <a:spAutoFit/>
-          </a:bodyPr>
-          <a:lstStyle/>
-          <a:p>
-            <a:pPr latinLnBrk="1"/>
-            <a:r>
-              <a:rPr lang="en-US" altLang="ko-KR" sz="1050" dirty="0">
-                <a:solidFill>
-                  <a:schemeClr val="tx2">
-                    <a:lumMod val="50000"/>
-                  </a:schemeClr>
-                </a:solidFill>
-                <a:latin typeface="KoPub돋움체 Medium" panose="02020603020101020101" pitchFamily="18" charset="-127"/>
-                <a:ea typeface="KoPub돋움체 Medium" panose="02020603020101020101" pitchFamily="18" charset="-127"/>
-              </a:rPr>
-              <a:t>2022.07.04</a:t>
-            </a:r>
-            <a:endParaRPr lang="ko-KR" altLang="en-US" sz="1050" b="0" dirty="0">
-              <a:solidFill>
-                <a:schemeClr val="tx2">
-                  <a:lumMod val="50000"/>
-                </a:schemeClr>
-              </a:solidFill>
-              <a:latin typeface="KoPub돋움체 Medium" panose="02020603020101020101" pitchFamily="18" charset="-127"/>
-              <a:ea typeface="KoPub돋움체 Medium" panose="02020603020101020101" pitchFamily="18" charset="-127"/>
-            </a:endParaRPr>
-          </a:p>
-        </p:txBody>
-      </p:sp>
-    </p:spTree>
-    <p:extLst>
-      <p:ext uri="{BB962C8B-B14F-4D97-AF65-F5344CB8AC3E}">
-        <p14:creationId xmlns:p14="http://schemas.microsoft.com/office/powerpoint/2010/main" val="3190426131"/>
       </p:ext>
     </p:extLst>
   </p:cSld>
